--- a/Documents/Design Presentation.pptx
+++ b/Documents/Design Presentation.pptx
@@ -1,43 +1,43 @@
 
 <file path=ppt/presentation.xml><?xml version="1.0" encoding="utf-8"?>
-<p:presentation xmlns:a="http://schemas.openxmlformats.org/drawingml/2006/main" xmlns:r="http://schemas.openxmlformats.org/officeDocument/2006/relationships" xmlns:mc="http://schemas.openxmlformats.org/markup-compatibility/2006" xmlns:mv="urn:schemas-microsoft-com:mac:vml" xmlns:p="http://schemas.openxmlformats.org/presentationml/2006/main" xmlns:c="http://schemas.openxmlformats.org/drawingml/2006/chart" xmlns:dgm="http://schemas.openxmlformats.org/drawingml/2006/diagram" xmlns:o="urn:schemas-microsoft-com:office:office" xmlns:v="urn:schemas-microsoft-com:vml" xmlns:pvml="urn:schemas-microsoft-com:office:powerpoint" xmlns:com="http://schemas.openxmlformats.org/drawingml/2006/compatibility" xmlns:p14="http://schemas.microsoft.com/office/powerpoint/2010/main" autoCompressPictures="0" embedTrueTypeFonts="1" strictFirstAndLastChars="0" saveSubsetFonts="1">
+<p:presentation xmlns:a="http://schemas.openxmlformats.org/drawingml/2006/main" xmlns:r="http://schemas.openxmlformats.org/officeDocument/2006/relationships" xmlns:p="http://schemas.openxmlformats.org/presentationml/2006/main" strictFirstAndLastChars="0" embedTrueTypeFonts="1" saveSubsetFonts="1" autoCompressPictures="0">
   <p:sldMasterIdLst>
-    <p:sldMasterId id="2147483659" r:id="rId4"/>
+    <p:sldMasterId id="2147483659" r:id="rId1"/>
   </p:sldMasterIdLst>
   <p:notesMasterIdLst>
-    <p:notesMasterId r:id="rId5"/>
+    <p:notesMasterId r:id="rId11"/>
   </p:notesMasterIdLst>
   <p:sldIdLst>
-    <p:sldId id="256" r:id="rId6"/>
-    <p:sldId id="257" r:id="rId7"/>
-    <p:sldId id="258" r:id="rId8"/>
-    <p:sldId id="259" r:id="rId9"/>
-    <p:sldId id="260" r:id="rId10"/>
-    <p:sldId id="261" r:id="rId11"/>
-    <p:sldId id="262" r:id="rId12"/>
-    <p:sldId id="263" r:id="rId13"/>
-    <p:sldId id="264" r:id="rId14"/>
+    <p:sldId id="256" r:id="rId2"/>
+    <p:sldId id="257" r:id="rId3"/>
+    <p:sldId id="258" r:id="rId4"/>
+    <p:sldId id="259" r:id="rId5"/>
+    <p:sldId id="260" r:id="rId6"/>
+    <p:sldId id="261" r:id="rId7"/>
+    <p:sldId id="262" r:id="rId8"/>
+    <p:sldId id="263" r:id="rId9"/>
+    <p:sldId id="264" r:id="rId10"/>
   </p:sldIdLst>
-  <p:sldSz cy="5143500" cx="9144000"/>
+  <p:sldSz cx="9144000" cy="5143500" type="screen16x9"/>
   <p:notesSz cx="6858000" cy="9144000"/>
   <p:embeddedFontLst>
     <p:embeddedFont>
       <p:font typeface="Playfair Display"/>
-      <p:regular r:id="rId15"/>
-      <p:bold r:id="rId16"/>
-      <p:italic r:id="rId17"/>
-      <p:boldItalic r:id="rId18"/>
+      <p:regular r:id="rId12"/>
+      <p:bold r:id="rId13"/>
+      <p:italic r:id="rId14"/>
+      <p:boldItalic r:id="rId15"/>
     </p:embeddedFont>
     <p:embeddedFont>
-      <p:font typeface="Lato"/>
-      <p:regular r:id="rId19"/>
-      <p:bold r:id="rId20"/>
-      <p:italic r:id="rId21"/>
-      <p:boldItalic r:id="rId22"/>
+      <p:font typeface="Lato" panose="020B0604020202020204" charset="0"/>
+      <p:regular r:id="rId16"/>
+      <p:bold r:id="rId17"/>
+      <p:italic r:id="rId18"/>
+      <p:boldItalic r:id="rId19"/>
     </p:embeddedFont>
   </p:embeddedFontLst>
   <p:defaultTextStyle>
-    <a:defPPr marR="0" rtl="0" algn="l">
+    <a:defPPr marR="0" algn="l" rtl="0">
       <a:lnSpc>
         <a:spcPct val="100000"/>
       </a:lnSpc>
@@ -48,7 +48,7 @@
         <a:spcPts val="0"/>
       </a:spcAft>
     </a:defPPr>
-    <a:lvl1pPr marR="0" rtl="0" algn="l">
+    <a:lvl1pPr marR="0" algn="l" rtl="0">
       <a:lnSpc>
         <a:spcPct val="100000"/>
       </a:lnSpc>
@@ -59,7 +59,7 @@
         <a:spcPts val="0"/>
       </a:spcAft>
       <a:buNone/>
-      <a:defRPr b="0" baseline="0" i="0" sz="1400" u="none" cap="none" strike="noStrike">
+      <a:defRPr sz="1400" b="0" i="0" u="none" strike="noStrike" cap="none" baseline="0">
         <a:solidFill>
           <a:srgbClr val="000000"/>
         </a:solidFill>
@@ -70,7 +70,7 @@
         <a:rtl val="0"/>
       </a:defRPr>
     </a:lvl1pPr>
-    <a:lvl2pPr marR="0" rtl="0" algn="l">
+    <a:lvl2pPr marR="0" algn="l" rtl="0">
       <a:lnSpc>
         <a:spcPct val="100000"/>
       </a:lnSpc>
@@ -81,7 +81,7 @@
         <a:spcPts val="0"/>
       </a:spcAft>
       <a:buNone/>
-      <a:defRPr b="0" baseline="0" i="0" sz="1400" u="none" cap="none" strike="noStrike">
+      <a:defRPr sz="1400" b="0" i="0" u="none" strike="noStrike" cap="none" baseline="0">
         <a:solidFill>
           <a:srgbClr val="000000"/>
         </a:solidFill>
@@ -92,7 +92,7 @@
         <a:rtl val="0"/>
       </a:defRPr>
     </a:lvl2pPr>
-    <a:lvl3pPr marR="0" rtl="0" algn="l">
+    <a:lvl3pPr marR="0" algn="l" rtl="0">
       <a:lnSpc>
         <a:spcPct val="100000"/>
       </a:lnSpc>
@@ -103,7 +103,7 @@
         <a:spcPts val="0"/>
       </a:spcAft>
       <a:buNone/>
-      <a:defRPr b="0" baseline="0" i="0" sz="1400" u="none" cap="none" strike="noStrike">
+      <a:defRPr sz="1400" b="0" i="0" u="none" strike="noStrike" cap="none" baseline="0">
         <a:solidFill>
           <a:srgbClr val="000000"/>
         </a:solidFill>
@@ -114,7 +114,7 @@
         <a:rtl val="0"/>
       </a:defRPr>
     </a:lvl3pPr>
-    <a:lvl4pPr marR="0" rtl="0" algn="l">
+    <a:lvl4pPr marR="0" algn="l" rtl="0">
       <a:lnSpc>
         <a:spcPct val="100000"/>
       </a:lnSpc>
@@ -125,7 +125,7 @@
         <a:spcPts val="0"/>
       </a:spcAft>
       <a:buNone/>
-      <a:defRPr b="0" baseline="0" i="0" sz="1400" u="none" cap="none" strike="noStrike">
+      <a:defRPr sz="1400" b="0" i="0" u="none" strike="noStrike" cap="none" baseline="0">
         <a:solidFill>
           <a:srgbClr val="000000"/>
         </a:solidFill>
@@ -136,7 +136,7 @@
         <a:rtl val="0"/>
       </a:defRPr>
     </a:lvl4pPr>
-    <a:lvl5pPr marR="0" rtl="0" algn="l">
+    <a:lvl5pPr marR="0" algn="l" rtl="0">
       <a:lnSpc>
         <a:spcPct val="100000"/>
       </a:lnSpc>
@@ -147,7 +147,7 @@
         <a:spcPts val="0"/>
       </a:spcAft>
       <a:buNone/>
-      <a:defRPr b="0" baseline="0" i="0" sz="1400" u="none" cap="none" strike="noStrike">
+      <a:defRPr sz="1400" b="0" i="0" u="none" strike="noStrike" cap="none" baseline="0">
         <a:solidFill>
           <a:srgbClr val="000000"/>
         </a:solidFill>
@@ -158,7 +158,7 @@
         <a:rtl val="0"/>
       </a:defRPr>
     </a:lvl5pPr>
-    <a:lvl6pPr marR="0" rtl="0" algn="l">
+    <a:lvl6pPr marR="0" algn="l" rtl="0">
       <a:lnSpc>
         <a:spcPct val="100000"/>
       </a:lnSpc>
@@ -169,7 +169,7 @@
         <a:spcPts val="0"/>
       </a:spcAft>
       <a:buNone/>
-      <a:defRPr b="0" baseline="0" i="0" sz="1400" u="none" cap="none" strike="noStrike">
+      <a:defRPr sz="1400" b="0" i="0" u="none" strike="noStrike" cap="none" baseline="0">
         <a:solidFill>
           <a:srgbClr val="000000"/>
         </a:solidFill>
@@ -180,7 +180,7 @@
         <a:rtl val="0"/>
       </a:defRPr>
     </a:lvl6pPr>
-    <a:lvl7pPr marR="0" rtl="0" algn="l">
+    <a:lvl7pPr marR="0" algn="l" rtl="0">
       <a:lnSpc>
         <a:spcPct val="100000"/>
       </a:lnSpc>
@@ -191,7 +191,7 @@
         <a:spcPts val="0"/>
       </a:spcAft>
       <a:buNone/>
-      <a:defRPr b="0" baseline="0" i="0" sz="1400" u="none" cap="none" strike="noStrike">
+      <a:defRPr sz="1400" b="0" i="0" u="none" strike="noStrike" cap="none" baseline="0">
         <a:solidFill>
           <a:srgbClr val="000000"/>
         </a:solidFill>
@@ -202,7 +202,7 @@
         <a:rtl val="0"/>
       </a:defRPr>
     </a:lvl7pPr>
-    <a:lvl8pPr marR="0" rtl="0" algn="l">
+    <a:lvl8pPr marR="0" algn="l" rtl="0">
       <a:lnSpc>
         <a:spcPct val="100000"/>
       </a:lnSpc>
@@ -213,7 +213,7 @@
         <a:spcPts val="0"/>
       </a:spcAft>
       <a:buNone/>
-      <a:defRPr b="0" baseline="0" i="0" sz="1400" u="none" cap="none" strike="noStrike">
+      <a:defRPr sz="1400" b="0" i="0" u="none" strike="noStrike" cap="none" baseline="0">
         <a:solidFill>
           <a:srgbClr val="000000"/>
         </a:solidFill>
@@ -224,7 +224,7 @@
         <a:rtl val="0"/>
       </a:defRPr>
     </a:lvl8pPr>
-    <a:lvl9pPr marR="0" rtl="0" algn="l">
+    <a:lvl9pPr marR="0" algn="l" rtl="0">
       <a:lnSpc>
         <a:spcPct val="100000"/>
       </a:lnSpc>
@@ -235,7 +235,7 @@
         <a:spcPts val="0"/>
       </a:spcAft>
       <a:buNone/>
-      <a:defRPr b="0" baseline="0" i="0" sz="1400" u="none" cap="none" strike="noStrike">
+      <a:defRPr sz="1400" b="0" i="0" u="none" strike="noStrike" cap="none" baseline="0">
         <a:solidFill>
           <a:srgbClr val="000000"/>
         </a:solidFill>
@@ -247,12 +247,22 @@
       </a:defRPr>
     </a:lvl9pPr>
   </p:defaultTextStyle>
+  <p:extLst>
+    <p:ext uri="{EFAFB233-063F-42B5-8137-9DF3F51BA10A}">
+      <p15:sldGuideLst xmlns:p15="http://schemas.microsoft.com/office/powerpoint/2012/main"/>
+    </p:ext>
+  </p:extLst>
 </p:presentation>
 </file>
 
 <file path=ppt/notesMasters/notesMaster1.xml><?xml version="1.0" encoding="utf-8"?>
-<p:notesMaster xmlns:a="http://schemas.openxmlformats.org/drawingml/2006/main" xmlns:r="http://schemas.openxmlformats.org/officeDocument/2006/relationships" xmlns:mc="http://schemas.openxmlformats.org/markup-compatibility/2006" xmlns:mv="urn:schemas-microsoft-com:mac:vml" xmlns:p="http://schemas.openxmlformats.org/presentationml/2006/main" xmlns:c="http://schemas.openxmlformats.org/drawingml/2006/chart" xmlns:dgm="http://schemas.openxmlformats.org/drawingml/2006/diagram" xmlns:o="urn:schemas-microsoft-com:office:office" xmlns:v="urn:schemas-microsoft-com:vml" xmlns:pvml="urn:schemas-microsoft-com:office:powerpoint" xmlns:com="http://schemas.openxmlformats.org/drawingml/2006/compatibility" xmlns:p14="http://schemas.microsoft.com/office/powerpoint/2010/main">
+<p:notesMaster xmlns:a="http://schemas.openxmlformats.org/drawingml/2006/main" xmlns:r="http://schemas.openxmlformats.org/officeDocument/2006/relationships" xmlns:p="http://schemas.openxmlformats.org/presentationml/2006/main">
   <p:cSld>
+    <p:bg>
+      <p:bgRef idx="1001">
+        <a:schemeClr val="bg1"/>
+      </p:bgRef>
+    </p:bg>
     <p:spTree>
       <p:nvGrpSpPr>
         <p:cNvPr id="1" name="Shape 1"/>
@@ -270,9 +280,11 @@
       <p:sp>
         <p:nvSpPr>
           <p:cNvPr id="2" name="Shape 2"/>
-          <p:cNvSpPr/>
+          <p:cNvSpPr>
+            <a:spLocks noGrp="1" noRot="1" noChangeAspect="1"/>
+          </p:cNvSpPr>
           <p:nvPr>
-            <p:ph idx="2" type="sldImg"/>
+            <p:ph type="sldImg" idx="2"/>
           </p:nvPr>
         </p:nvSpPr>
         <p:spPr>
@@ -281,8 +293,13 @@
             <a:ext cx="6096075" cy="3429000"/>
           </a:xfrm>
           <a:custGeom>
+            <a:avLst/>
+            <a:gdLst/>
+            <a:ahLst/>
+            <a:cxnLst/>
+            <a:rect l="0" t="0" r="0" b="0"/>
             <a:pathLst>
-              <a:path extrusionOk="0" h="120000" w="120000">
+              <a:path w="120000" h="120000" extrusionOk="0">
                 <a:moveTo>
                   <a:pt x="0" y="0"/>
                 </a:moveTo>
@@ -300,23 +317,25 @@
             </a:pathLst>
           </a:custGeom>
           <a:noFill/>
-          <a:ln cap="flat" cmpd="sng" w="9525">
+          <a:ln w="9525" cap="flat" cmpd="sng">
             <a:solidFill>
               <a:srgbClr val="000000"/>
             </a:solidFill>
             <a:prstDash val="solid"/>
             <a:round/>
-            <a:headEnd len="med" w="med" type="none"/>
-            <a:tailEnd len="med" w="med" type="none"/>
+            <a:headEnd type="none" w="med" len="med"/>
+            <a:tailEnd type="none" w="med" len="med"/>
           </a:ln>
         </p:spPr>
       </p:sp>
       <p:sp>
         <p:nvSpPr>
           <p:cNvPr id="3" name="Shape 3"/>
-          <p:cNvSpPr txBox="1"/>
+          <p:cNvSpPr txBox="1">
+            <a:spLocks noGrp="1"/>
+          </p:cNvSpPr>
           <p:nvPr>
-            <p:ph idx="1" type="body"/>
+            <p:ph type="body" idx="1"/>
           </p:nvPr>
         </p:nvSpPr>
         <p:spPr>
@@ -333,7 +352,7 @@
           </a:ln>
         </p:spPr>
         <p:txBody>
-          <a:bodyPr anchorCtr="0" anchor="t" bIns="91425" lIns="91425" rIns="91425" tIns="91425"/>
+          <a:bodyPr lIns="91425" tIns="91425" rIns="91425" bIns="91425" anchor="t" anchorCtr="0"/>
           <a:lstStyle>
             <a:lvl1pPr>
               <a:spcBef>
@@ -390,21 +409,120 @@
               <a:defRPr sz="1100"/>
             </a:lvl9pPr>
           </a:lstStyle>
-          <a:p/>
+          <a:p>
+            <a:endParaRPr/>
+          </a:p>
         </p:txBody>
       </p:sp>
     </p:spTree>
+    <p:extLst>
+      <p:ext uri="{BB962C8B-B14F-4D97-AF65-F5344CB8AC3E}">
+        <p14:creationId xmlns:p14="http://schemas.microsoft.com/office/powerpoint/2010/main" val="1627683678"/>
+      </p:ext>
+    </p:extLst>
   </p:cSld>
-  <p:clrMap accent1="accent1" accent2="accent2" accent3="accent3" accent4="accent4" accent5="accent5" accent6="accent6" bg1="lt1" bg2="dk2" tx1="dk1" tx2="lt2" folHlink="folHlink" hlink="hlink"/>
+  <p:clrMap bg1="lt1" tx1="dk1" bg2="dk2" tx2="lt2" accent1="accent1" accent2="accent2" accent3="accent3" accent4="accent4" accent5="accent5" accent6="accent6" hlink="hlink" folHlink="folHlink"/>
+  <p:notesStyle>
+    <a:lvl1pPr marL="0" algn="l" defTabSz="914400" rtl="0" eaLnBrk="1" latinLnBrk="0" hangingPunct="1">
+      <a:defRPr sz="1200" kern="1200">
+        <a:solidFill>
+          <a:schemeClr val="tx1"/>
+        </a:solidFill>
+        <a:latin typeface="+mn-lt"/>
+        <a:ea typeface="+mn-ea"/>
+        <a:cs typeface="+mn-cs"/>
+      </a:defRPr>
+    </a:lvl1pPr>
+    <a:lvl2pPr marL="457200" algn="l" defTabSz="914400" rtl="0" eaLnBrk="1" latinLnBrk="0" hangingPunct="1">
+      <a:defRPr sz="1200" kern="1200">
+        <a:solidFill>
+          <a:schemeClr val="tx1"/>
+        </a:solidFill>
+        <a:latin typeface="+mn-lt"/>
+        <a:ea typeface="+mn-ea"/>
+        <a:cs typeface="+mn-cs"/>
+      </a:defRPr>
+    </a:lvl2pPr>
+    <a:lvl3pPr marL="914400" algn="l" defTabSz="914400" rtl="0" eaLnBrk="1" latinLnBrk="0" hangingPunct="1">
+      <a:defRPr sz="1200" kern="1200">
+        <a:solidFill>
+          <a:schemeClr val="tx1"/>
+        </a:solidFill>
+        <a:latin typeface="+mn-lt"/>
+        <a:ea typeface="+mn-ea"/>
+        <a:cs typeface="+mn-cs"/>
+      </a:defRPr>
+    </a:lvl3pPr>
+    <a:lvl4pPr marL="1371600" algn="l" defTabSz="914400" rtl="0" eaLnBrk="1" latinLnBrk="0" hangingPunct="1">
+      <a:defRPr sz="1200" kern="1200">
+        <a:solidFill>
+          <a:schemeClr val="tx1"/>
+        </a:solidFill>
+        <a:latin typeface="+mn-lt"/>
+        <a:ea typeface="+mn-ea"/>
+        <a:cs typeface="+mn-cs"/>
+      </a:defRPr>
+    </a:lvl4pPr>
+    <a:lvl5pPr marL="1828800" algn="l" defTabSz="914400" rtl="0" eaLnBrk="1" latinLnBrk="0" hangingPunct="1">
+      <a:defRPr sz="1200" kern="1200">
+        <a:solidFill>
+          <a:schemeClr val="tx1"/>
+        </a:solidFill>
+        <a:latin typeface="+mn-lt"/>
+        <a:ea typeface="+mn-ea"/>
+        <a:cs typeface="+mn-cs"/>
+      </a:defRPr>
+    </a:lvl5pPr>
+    <a:lvl6pPr marL="2286000" algn="l" defTabSz="914400" rtl="0" eaLnBrk="1" latinLnBrk="0" hangingPunct="1">
+      <a:defRPr sz="1200" kern="1200">
+        <a:solidFill>
+          <a:schemeClr val="tx1"/>
+        </a:solidFill>
+        <a:latin typeface="+mn-lt"/>
+        <a:ea typeface="+mn-ea"/>
+        <a:cs typeface="+mn-cs"/>
+      </a:defRPr>
+    </a:lvl6pPr>
+    <a:lvl7pPr marL="2743200" algn="l" defTabSz="914400" rtl="0" eaLnBrk="1" latinLnBrk="0" hangingPunct="1">
+      <a:defRPr sz="1200" kern="1200">
+        <a:solidFill>
+          <a:schemeClr val="tx1"/>
+        </a:solidFill>
+        <a:latin typeface="+mn-lt"/>
+        <a:ea typeface="+mn-ea"/>
+        <a:cs typeface="+mn-cs"/>
+      </a:defRPr>
+    </a:lvl7pPr>
+    <a:lvl8pPr marL="3200400" algn="l" defTabSz="914400" rtl="0" eaLnBrk="1" latinLnBrk="0" hangingPunct="1">
+      <a:defRPr sz="1200" kern="1200">
+        <a:solidFill>
+          <a:schemeClr val="tx1"/>
+        </a:solidFill>
+        <a:latin typeface="+mn-lt"/>
+        <a:ea typeface="+mn-ea"/>
+        <a:cs typeface="+mn-cs"/>
+      </a:defRPr>
+    </a:lvl8pPr>
+    <a:lvl9pPr marL="3657600" algn="l" defTabSz="914400" rtl="0" eaLnBrk="1" latinLnBrk="0" hangingPunct="1">
+      <a:defRPr sz="1200" kern="1200">
+        <a:solidFill>
+          <a:schemeClr val="tx1"/>
+        </a:solidFill>
+        <a:latin typeface="+mn-lt"/>
+        <a:ea typeface="+mn-ea"/>
+        <a:cs typeface="+mn-cs"/>
+      </a:defRPr>
+    </a:lvl9pPr>
+  </p:notesStyle>
 </p:notesMaster>
 </file>
 
 <file path=ppt/notesSlides/notesSlide1.xml><?xml version="1.0" encoding="utf-8"?>
-<p:notes xmlns:a="http://schemas.openxmlformats.org/drawingml/2006/main" xmlns:r="http://schemas.openxmlformats.org/officeDocument/2006/relationships" xmlns:mc="http://schemas.openxmlformats.org/markup-compatibility/2006" xmlns:mv="urn:schemas-microsoft-com:mac:vml" xmlns:p="http://schemas.openxmlformats.org/presentationml/2006/main" xmlns:c="http://schemas.openxmlformats.org/drawingml/2006/chart" xmlns:dgm="http://schemas.openxmlformats.org/drawingml/2006/diagram" xmlns:o="urn:schemas-microsoft-com:office:office" xmlns:v="urn:schemas-microsoft-com:vml" xmlns:pvml="urn:schemas-microsoft-com:office:powerpoint" xmlns:com="http://schemas.openxmlformats.org/drawingml/2006/compatibility" xmlns:p14="http://schemas.microsoft.com/office/powerpoint/2010/main" showMasterPhAnim="0" showMasterSp="0">
+<p:notes xmlns:a="http://schemas.openxmlformats.org/drawingml/2006/main" xmlns:r="http://schemas.openxmlformats.org/officeDocument/2006/relationships" xmlns:p="http://schemas.openxmlformats.org/presentationml/2006/main" showMasterSp="0" showMasterPhAnim="0">
   <p:cSld>
     <p:spTree>
       <p:nvGrpSpPr>
-        <p:cNvPr id="57" name="Shape 57"/>
+        <p:cNvPr id="1" name="Shape 57"/>
         <p:cNvGrpSpPr/>
         <p:nvPr/>
       </p:nvGrpSpPr>
@@ -419,9 +537,11 @@
       <p:sp>
         <p:nvSpPr>
           <p:cNvPr id="58" name="Shape 58"/>
-          <p:cNvSpPr/>
+          <p:cNvSpPr>
+            <a:spLocks noGrp="1" noRot="1" noChangeAspect="1"/>
+          </p:cNvSpPr>
           <p:nvPr>
-            <p:ph idx="2" type="sldImg"/>
+            <p:ph type="sldImg" idx="2"/>
           </p:nvPr>
         </p:nvSpPr>
         <p:spPr>
@@ -430,8 +550,13 @@
             <a:ext cx="6096299" cy="3429000"/>
           </a:xfrm>
           <a:custGeom>
+            <a:avLst/>
+            <a:gdLst/>
+            <a:ahLst/>
+            <a:cxnLst/>
+            <a:rect l="0" t="0" r="0" b="0"/>
             <a:pathLst>
-              <a:path extrusionOk="0" h="120000" w="120000">
+              <a:path w="120000" h="120000" extrusionOk="0">
                 <a:moveTo>
                   <a:pt x="0" y="0"/>
                 </a:moveTo>
@@ -449,23 +574,25 @@
             </a:pathLst>
           </a:custGeom>
           <a:noFill/>
-          <a:ln cap="flat" cmpd="sng" w="9525">
+          <a:ln w="9525" cap="flat" cmpd="sng">
             <a:solidFill>
               <a:srgbClr val="000000"/>
             </a:solidFill>
             <a:prstDash val="solid"/>
             <a:round/>
-            <a:headEnd len="med" w="med" type="none"/>
-            <a:tailEnd len="med" w="med" type="none"/>
+            <a:headEnd type="none" w="med" len="med"/>
+            <a:tailEnd type="none" w="med" len="med"/>
           </a:ln>
         </p:spPr>
       </p:sp>
       <p:sp>
         <p:nvSpPr>
           <p:cNvPr id="59" name="Shape 59"/>
-          <p:cNvSpPr txBox="1"/>
+          <p:cNvSpPr txBox="1">
+            <a:spLocks noGrp="1"/>
+          </p:cNvSpPr>
           <p:nvPr>
-            <p:ph idx="1" type="body"/>
+            <p:ph type="body" idx="1"/>
           </p:nvPr>
         </p:nvSpPr>
         <p:spPr>
@@ -478,7 +605,7 @@
           </a:prstGeom>
         </p:spPr>
         <p:txBody>
-          <a:bodyPr anchorCtr="0" anchor="t" bIns="91425" lIns="91425" rIns="91425" tIns="91425">
+          <a:bodyPr lIns="91425" tIns="91425" rIns="91425" bIns="91425" anchor="t" anchorCtr="0">
             <a:noAutofit/>
           </a:bodyPr>
           <a:lstStyle/>
@@ -489,14 +616,16 @@
               </a:spcBef>
               <a:buNone/>
             </a:pPr>
-            <a:r>
-              <a:t/>
-            </a:r>
             <a:endParaRPr/>
           </a:p>
         </p:txBody>
       </p:sp>
     </p:spTree>
+    <p:extLst>
+      <p:ext uri="{BB962C8B-B14F-4D97-AF65-F5344CB8AC3E}">
+        <p14:creationId xmlns:p14="http://schemas.microsoft.com/office/powerpoint/2010/main" val="3940546500"/>
+      </p:ext>
+    </p:extLst>
   </p:cSld>
   <p:clrMapOvr>
     <a:masterClrMapping/>
@@ -505,11 +634,11 @@
 </file>
 
 <file path=ppt/notesSlides/notesSlide2.xml><?xml version="1.0" encoding="utf-8"?>
-<p:notes xmlns:a="http://schemas.openxmlformats.org/drawingml/2006/main" xmlns:r="http://schemas.openxmlformats.org/officeDocument/2006/relationships" xmlns:mc="http://schemas.openxmlformats.org/markup-compatibility/2006" xmlns:mv="urn:schemas-microsoft-com:mac:vml" xmlns:p="http://schemas.openxmlformats.org/presentationml/2006/main" xmlns:c="http://schemas.openxmlformats.org/drawingml/2006/chart" xmlns:dgm="http://schemas.openxmlformats.org/drawingml/2006/diagram" xmlns:o="urn:schemas-microsoft-com:office:office" xmlns:v="urn:schemas-microsoft-com:vml" xmlns:pvml="urn:schemas-microsoft-com:office:powerpoint" xmlns:com="http://schemas.openxmlformats.org/drawingml/2006/compatibility" xmlns:p14="http://schemas.microsoft.com/office/powerpoint/2010/main" showMasterPhAnim="0" showMasterSp="0">
+<p:notes xmlns:a="http://schemas.openxmlformats.org/drawingml/2006/main" xmlns:r="http://schemas.openxmlformats.org/officeDocument/2006/relationships" xmlns:p="http://schemas.openxmlformats.org/presentationml/2006/main" showMasterSp="0" showMasterPhAnim="0">
   <p:cSld>
     <p:spTree>
       <p:nvGrpSpPr>
-        <p:cNvPr id="63" name="Shape 63"/>
+        <p:cNvPr id="1" name="Shape 63"/>
         <p:cNvGrpSpPr/>
         <p:nvPr/>
       </p:nvGrpSpPr>
@@ -524,19 +653,26 @@
       <p:sp>
         <p:nvSpPr>
           <p:cNvPr id="64" name="Shape 64"/>
-          <p:cNvSpPr/>
+          <p:cNvSpPr>
+            <a:spLocks noGrp="1" noRot="1" noChangeAspect="1"/>
+          </p:cNvSpPr>
           <p:nvPr>
-            <p:ph idx="2" type="sldImg"/>
+            <p:ph type="sldImg" idx="2"/>
           </p:nvPr>
         </p:nvSpPr>
         <p:spPr>
           <a:xfrm>
-            <a:off x="381187" y="685800"/>
-            <a:ext cx="6096299" cy="3429000"/>
+            <a:off x="381000" y="685800"/>
+            <a:ext cx="6096000" cy="3429000"/>
           </a:xfrm>
           <a:custGeom>
+            <a:avLst/>
+            <a:gdLst/>
+            <a:ahLst/>
+            <a:cxnLst/>
+            <a:rect l="0" t="0" r="0" b="0"/>
             <a:pathLst>
-              <a:path extrusionOk="0" h="120000" w="120000">
+              <a:path w="120000" h="120000" extrusionOk="0">
                 <a:moveTo>
                   <a:pt x="0" y="0"/>
                 </a:moveTo>
@@ -554,23 +690,25 @@
             </a:pathLst>
           </a:custGeom>
           <a:noFill/>
-          <a:ln cap="flat" cmpd="sng" w="9525">
+          <a:ln w="9525" cap="flat" cmpd="sng">
             <a:solidFill>
               <a:srgbClr val="000000"/>
             </a:solidFill>
             <a:prstDash val="solid"/>
             <a:round/>
-            <a:headEnd len="med" w="med" type="none"/>
-            <a:tailEnd len="med" w="med" type="none"/>
+            <a:headEnd type="none" w="med" len="med"/>
+            <a:tailEnd type="none" w="med" len="med"/>
           </a:ln>
         </p:spPr>
       </p:sp>
       <p:sp>
         <p:nvSpPr>
           <p:cNvPr id="65" name="Shape 65"/>
-          <p:cNvSpPr txBox="1"/>
+          <p:cNvSpPr txBox="1">
+            <a:spLocks noGrp="1"/>
+          </p:cNvSpPr>
           <p:nvPr>
-            <p:ph idx="1" type="body"/>
+            <p:ph type="body" idx="1"/>
           </p:nvPr>
         </p:nvSpPr>
         <p:spPr>
@@ -583,7 +721,7 @@
           </a:prstGeom>
         </p:spPr>
         <p:txBody>
-          <a:bodyPr anchorCtr="0" anchor="t" bIns="91425" lIns="91425" rIns="91425" tIns="91425">
+          <a:bodyPr lIns="91425" tIns="91425" rIns="91425" bIns="91425" anchor="t" anchorCtr="0">
             <a:noAutofit/>
           </a:bodyPr>
           <a:lstStyle/>
@@ -594,14 +732,16 @@
               </a:spcBef>
               <a:buNone/>
             </a:pPr>
-            <a:r>
-              <a:t/>
-            </a:r>
             <a:endParaRPr/>
           </a:p>
         </p:txBody>
       </p:sp>
     </p:spTree>
+    <p:extLst>
+      <p:ext uri="{BB962C8B-B14F-4D97-AF65-F5344CB8AC3E}">
+        <p14:creationId xmlns:p14="http://schemas.microsoft.com/office/powerpoint/2010/main" val="4268343929"/>
+      </p:ext>
+    </p:extLst>
   </p:cSld>
   <p:clrMapOvr>
     <a:masterClrMapping/>
@@ -610,11 +750,11 @@
 </file>
 
 <file path=ppt/notesSlides/notesSlide3.xml><?xml version="1.0" encoding="utf-8"?>
-<p:notes xmlns:a="http://schemas.openxmlformats.org/drawingml/2006/main" xmlns:r="http://schemas.openxmlformats.org/officeDocument/2006/relationships" xmlns:mc="http://schemas.openxmlformats.org/markup-compatibility/2006" xmlns:mv="urn:schemas-microsoft-com:mac:vml" xmlns:p="http://schemas.openxmlformats.org/presentationml/2006/main" xmlns:c="http://schemas.openxmlformats.org/drawingml/2006/chart" xmlns:dgm="http://schemas.openxmlformats.org/drawingml/2006/diagram" xmlns:o="urn:schemas-microsoft-com:office:office" xmlns:v="urn:schemas-microsoft-com:vml" xmlns:pvml="urn:schemas-microsoft-com:office:powerpoint" xmlns:com="http://schemas.openxmlformats.org/drawingml/2006/compatibility" xmlns:p14="http://schemas.microsoft.com/office/powerpoint/2010/main" showMasterPhAnim="0" showMasterSp="0">
+<p:notes xmlns:a="http://schemas.openxmlformats.org/drawingml/2006/main" xmlns:r="http://schemas.openxmlformats.org/officeDocument/2006/relationships" xmlns:p="http://schemas.openxmlformats.org/presentationml/2006/main" showMasterSp="0" showMasterPhAnim="0">
   <p:cSld>
     <p:spTree>
       <p:nvGrpSpPr>
-        <p:cNvPr id="69" name="Shape 69"/>
+        <p:cNvPr id="1" name="Shape 69"/>
         <p:cNvGrpSpPr/>
         <p:nvPr/>
       </p:nvGrpSpPr>
@@ -629,19 +769,26 @@
       <p:sp>
         <p:nvSpPr>
           <p:cNvPr id="70" name="Shape 70"/>
-          <p:cNvSpPr/>
+          <p:cNvSpPr>
+            <a:spLocks noGrp="1" noRot="1" noChangeAspect="1"/>
+          </p:cNvSpPr>
           <p:nvPr>
-            <p:ph idx="2" type="sldImg"/>
+            <p:ph type="sldImg" idx="2"/>
           </p:nvPr>
         </p:nvSpPr>
         <p:spPr>
           <a:xfrm>
-            <a:off x="381187" y="685800"/>
-            <a:ext cx="6096299" cy="3429000"/>
+            <a:off x="381000" y="685800"/>
+            <a:ext cx="6096000" cy="3429000"/>
           </a:xfrm>
           <a:custGeom>
+            <a:avLst/>
+            <a:gdLst/>
+            <a:ahLst/>
+            <a:cxnLst/>
+            <a:rect l="0" t="0" r="0" b="0"/>
             <a:pathLst>
-              <a:path extrusionOk="0" h="120000" w="120000">
+              <a:path w="120000" h="120000" extrusionOk="0">
                 <a:moveTo>
                   <a:pt x="0" y="0"/>
                 </a:moveTo>
@@ -659,23 +806,25 @@
             </a:pathLst>
           </a:custGeom>
           <a:noFill/>
-          <a:ln cap="flat" cmpd="sng" w="9525">
+          <a:ln w="9525" cap="flat" cmpd="sng">
             <a:solidFill>
               <a:srgbClr val="000000"/>
             </a:solidFill>
             <a:prstDash val="solid"/>
             <a:round/>
-            <a:headEnd len="med" w="med" type="none"/>
-            <a:tailEnd len="med" w="med" type="none"/>
+            <a:headEnd type="none" w="med" len="med"/>
+            <a:tailEnd type="none" w="med" len="med"/>
           </a:ln>
         </p:spPr>
       </p:sp>
       <p:sp>
         <p:nvSpPr>
           <p:cNvPr id="71" name="Shape 71"/>
-          <p:cNvSpPr txBox="1"/>
+          <p:cNvSpPr txBox="1">
+            <a:spLocks noGrp="1"/>
+          </p:cNvSpPr>
           <p:nvPr>
-            <p:ph idx="1" type="body"/>
+            <p:ph type="body" idx="1"/>
           </p:nvPr>
         </p:nvSpPr>
         <p:spPr>
@@ -688,7 +837,7 @@
           </a:prstGeom>
         </p:spPr>
         <p:txBody>
-          <a:bodyPr anchorCtr="0" anchor="t" bIns="91425" lIns="91425" rIns="91425" tIns="91425">
+          <a:bodyPr lIns="91425" tIns="91425" rIns="91425" bIns="91425" anchor="t" anchorCtr="0">
             <a:noAutofit/>
           </a:bodyPr>
           <a:lstStyle/>
@@ -699,14 +848,16 @@
               </a:spcBef>
               <a:buNone/>
             </a:pPr>
-            <a:r>
-              <a:t/>
-            </a:r>
             <a:endParaRPr/>
           </a:p>
         </p:txBody>
       </p:sp>
     </p:spTree>
+    <p:extLst>
+      <p:ext uri="{BB962C8B-B14F-4D97-AF65-F5344CB8AC3E}">
+        <p14:creationId xmlns:p14="http://schemas.microsoft.com/office/powerpoint/2010/main" val="3307640565"/>
+      </p:ext>
+    </p:extLst>
   </p:cSld>
   <p:clrMapOvr>
     <a:masterClrMapping/>
@@ -715,11 +866,11 @@
 </file>
 
 <file path=ppt/notesSlides/notesSlide4.xml><?xml version="1.0" encoding="utf-8"?>
-<p:notes xmlns:a="http://schemas.openxmlformats.org/drawingml/2006/main" xmlns:r="http://schemas.openxmlformats.org/officeDocument/2006/relationships" xmlns:mc="http://schemas.openxmlformats.org/markup-compatibility/2006" xmlns:mv="urn:schemas-microsoft-com:mac:vml" xmlns:p="http://schemas.openxmlformats.org/presentationml/2006/main" xmlns:c="http://schemas.openxmlformats.org/drawingml/2006/chart" xmlns:dgm="http://schemas.openxmlformats.org/drawingml/2006/diagram" xmlns:o="urn:schemas-microsoft-com:office:office" xmlns:v="urn:schemas-microsoft-com:vml" xmlns:pvml="urn:schemas-microsoft-com:office:powerpoint" xmlns:com="http://schemas.openxmlformats.org/drawingml/2006/compatibility" xmlns:p14="http://schemas.microsoft.com/office/powerpoint/2010/main" showMasterPhAnim="0" showMasterSp="0">
+<p:notes xmlns:a="http://schemas.openxmlformats.org/drawingml/2006/main" xmlns:r="http://schemas.openxmlformats.org/officeDocument/2006/relationships" xmlns:p="http://schemas.openxmlformats.org/presentationml/2006/main" showMasterSp="0" showMasterPhAnim="0">
   <p:cSld>
     <p:spTree>
       <p:nvGrpSpPr>
-        <p:cNvPr id="75" name="Shape 75"/>
+        <p:cNvPr id="1" name="Shape 75"/>
         <p:cNvGrpSpPr/>
         <p:nvPr/>
       </p:nvGrpSpPr>
@@ -734,19 +885,26 @@
       <p:sp>
         <p:nvSpPr>
           <p:cNvPr id="76" name="Shape 76"/>
-          <p:cNvSpPr/>
+          <p:cNvSpPr>
+            <a:spLocks noGrp="1" noRot="1" noChangeAspect="1"/>
+          </p:cNvSpPr>
           <p:nvPr>
-            <p:ph idx="2" type="sldImg"/>
+            <p:ph type="sldImg" idx="2"/>
           </p:nvPr>
         </p:nvSpPr>
         <p:spPr>
           <a:xfrm>
-            <a:off x="381187" y="685800"/>
-            <a:ext cx="6096299" cy="3429000"/>
+            <a:off x="381000" y="685800"/>
+            <a:ext cx="6096000" cy="3429000"/>
           </a:xfrm>
           <a:custGeom>
+            <a:avLst/>
+            <a:gdLst/>
+            <a:ahLst/>
+            <a:cxnLst/>
+            <a:rect l="0" t="0" r="0" b="0"/>
             <a:pathLst>
-              <a:path extrusionOk="0" h="120000" w="120000">
+              <a:path w="120000" h="120000" extrusionOk="0">
                 <a:moveTo>
                   <a:pt x="0" y="0"/>
                 </a:moveTo>
@@ -764,23 +922,25 @@
             </a:pathLst>
           </a:custGeom>
           <a:noFill/>
-          <a:ln cap="flat" cmpd="sng" w="9525">
+          <a:ln w="9525" cap="flat" cmpd="sng">
             <a:solidFill>
               <a:srgbClr val="000000"/>
             </a:solidFill>
             <a:prstDash val="solid"/>
             <a:round/>
-            <a:headEnd len="med" w="med" type="none"/>
-            <a:tailEnd len="med" w="med" type="none"/>
+            <a:headEnd type="none" w="med" len="med"/>
+            <a:tailEnd type="none" w="med" len="med"/>
           </a:ln>
         </p:spPr>
       </p:sp>
       <p:sp>
         <p:nvSpPr>
           <p:cNvPr id="77" name="Shape 77"/>
-          <p:cNvSpPr txBox="1"/>
+          <p:cNvSpPr txBox="1">
+            <a:spLocks noGrp="1"/>
+          </p:cNvSpPr>
           <p:nvPr>
-            <p:ph idx="1" type="body"/>
+            <p:ph type="body" idx="1"/>
           </p:nvPr>
         </p:nvSpPr>
         <p:spPr>
@@ -793,7 +953,7 @@
           </a:prstGeom>
         </p:spPr>
         <p:txBody>
-          <a:bodyPr anchorCtr="0" anchor="t" bIns="91425" lIns="91425" rIns="91425" tIns="91425">
+          <a:bodyPr lIns="91425" tIns="91425" rIns="91425" bIns="91425" anchor="t" anchorCtr="0">
             <a:noAutofit/>
           </a:bodyPr>
           <a:lstStyle/>
@@ -804,14 +964,16 @@
               </a:spcBef>
               <a:buNone/>
             </a:pPr>
-            <a:r>
-              <a:t/>
-            </a:r>
             <a:endParaRPr/>
           </a:p>
         </p:txBody>
       </p:sp>
     </p:spTree>
+    <p:extLst>
+      <p:ext uri="{BB962C8B-B14F-4D97-AF65-F5344CB8AC3E}">
+        <p14:creationId xmlns:p14="http://schemas.microsoft.com/office/powerpoint/2010/main" val="4226964095"/>
+      </p:ext>
+    </p:extLst>
   </p:cSld>
   <p:clrMapOvr>
     <a:masterClrMapping/>
@@ -820,11 +982,11 @@
 </file>
 
 <file path=ppt/notesSlides/notesSlide5.xml><?xml version="1.0" encoding="utf-8"?>
-<p:notes xmlns:a="http://schemas.openxmlformats.org/drawingml/2006/main" xmlns:r="http://schemas.openxmlformats.org/officeDocument/2006/relationships" xmlns:mc="http://schemas.openxmlformats.org/markup-compatibility/2006" xmlns:mv="urn:schemas-microsoft-com:mac:vml" xmlns:p="http://schemas.openxmlformats.org/presentationml/2006/main" xmlns:c="http://schemas.openxmlformats.org/drawingml/2006/chart" xmlns:dgm="http://schemas.openxmlformats.org/drawingml/2006/diagram" xmlns:o="urn:schemas-microsoft-com:office:office" xmlns:v="urn:schemas-microsoft-com:vml" xmlns:pvml="urn:schemas-microsoft-com:office:powerpoint" xmlns:com="http://schemas.openxmlformats.org/drawingml/2006/compatibility" xmlns:p14="http://schemas.microsoft.com/office/powerpoint/2010/main" showMasterPhAnim="0" showMasterSp="0">
+<p:notes xmlns:a="http://schemas.openxmlformats.org/drawingml/2006/main" xmlns:r="http://schemas.openxmlformats.org/officeDocument/2006/relationships" xmlns:p="http://schemas.openxmlformats.org/presentationml/2006/main" showMasterSp="0" showMasterPhAnim="0">
   <p:cSld>
     <p:spTree>
       <p:nvGrpSpPr>
-        <p:cNvPr id="81" name="Shape 81"/>
+        <p:cNvPr id="1" name="Shape 81"/>
         <p:cNvGrpSpPr/>
         <p:nvPr/>
       </p:nvGrpSpPr>
@@ -839,9 +1001,11 @@
       <p:sp>
         <p:nvSpPr>
           <p:cNvPr id="82" name="Shape 82"/>
-          <p:cNvSpPr/>
+          <p:cNvSpPr>
+            <a:spLocks noGrp="1" noRot="1" noChangeAspect="1"/>
+          </p:cNvSpPr>
           <p:nvPr>
-            <p:ph idx="2" type="sldImg"/>
+            <p:ph type="sldImg" idx="2"/>
           </p:nvPr>
         </p:nvSpPr>
         <p:spPr>
@@ -850,8 +1014,13 @@
             <a:ext cx="6096299" cy="3429000"/>
           </a:xfrm>
           <a:custGeom>
+            <a:avLst/>
+            <a:gdLst/>
+            <a:ahLst/>
+            <a:cxnLst/>
+            <a:rect l="0" t="0" r="0" b="0"/>
             <a:pathLst>
-              <a:path extrusionOk="0" h="120000" w="120000">
+              <a:path w="120000" h="120000" extrusionOk="0">
                 <a:moveTo>
                   <a:pt x="0" y="0"/>
                 </a:moveTo>
@@ -869,23 +1038,25 @@
             </a:pathLst>
           </a:custGeom>
           <a:noFill/>
-          <a:ln cap="flat" cmpd="sng" w="9525">
+          <a:ln w="9525" cap="flat" cmpd="sng">
             <a:solidFill>
               <a:srgbClr val="000000"/>
             </a:solidFill>
             <a:prstDash val="solid"/>
             <a:round/>
-            <a:headEnd len="med" w="med" type="none"/>
-            <a:tailEnd len="med" w="med" type="none"/>
+            <a:headEnd type="none" w="med" len="med"/>
+            <a:tailEnd type="none" w="med" len="med"/>
           </a:ln>
         </p:spPr>
       </p:sp>
       <p:sp>
         <p:nvSpPr>
           <p:cNvPr id="83" name="Shape 83"/>
-          <p:cNvSpPr txBox="1"/>
+          <p:cNvSpPr txBox="1">
+            <a:spLocks noGrp="1"/>
+          </p:cNvSpPr>
           <p:nvPr>
-            <p:ph idx="1" type="body"/>
+            <p:ph type="body" idx="1"/>
           </p:nvPr>
         </p:nvSpPr>
         <p:spPr>
@@ -898,7 +1069,7 @@
           </a:prstGeom>
         </p:spPr>
         <p:txBody>
-          <a:bodyPr anchorCtr="0" anchor="t" bIns="91425" lIns="91425" rIns="91425" tIns="91425">
+          <a:bodyPr lIns="91425" tIns="91425" rIns="91425" bIns="91425" anchor="t" anchorCtr="0">
             <a:noAutofit/>
           </a:bodyPr>
           <a:lstStyle/>
@@ -909,14 +1080,16 @@
               </a:spcBef>
               <a:buNone/>
             </a:pPr>
-            <a:r>
-              <a:t/>
-            </a:r>
             <a:endParaRPr/>
           </a:p>
         </p:txBody>
       </p:sp>
     </p:spTree>
+    <p:extLst>
+      <p:ext uri="{BB962C8B-B14F-4D97-AF65-F5344CB8AC3E}">
+        <p14:creationId xmlns:p14="http://schemas.microsoft.com/office/powerpoint/2010/main" val="393434921"/>
+      </p:ext>
+    </p:extLst>
   </p:cSld>
   <p:clrMapOvr>
     <a:masterClrMapping/>
@@ -925,11 +1098,11 @@
 </file>
 
 <file path=ppt/notesSlides/notesSlide6.xml><?xml version="1.0" encoding="utf-8"?>
-<p:notes xmlns:a="http://schemas.openxmlformats.org/drawingml/2006/main" xmlns:r="http://schemas.openxmlformats.org/officeDocument/2006/relationships" xmlns:mc="http://schemas.openxmlformats.org/markup-compatibility/2006" xmlns:mv="urn:schemas-microsoft-com:mac:vml" xmlns:p="http://schemas.openxmlformats.org/presentationml/2006/main" xmlns:c="http://schemas.openxmlformats.org/drawingml/2006/chart" xmlns:dgm="http://schemas.openxmlformats.org/drawingml/2006/diagram" xmlns:o="urn:schemas-microsoft-com:office:office" xmlns:v="urn:schemas-microsoft-com:vml" xmlns:pvml="urn:schemas-microsoft-com:office:powerpoint" xmlns:com="http://schemas.openxmlformats.org/drawingml/2006/compatibility" xmlns:p14="http://schemas.microsoft.com/office/powerpoint/2010/main" showMasterPhAnim="0" showMasterSp="0">
+<p:notes xmlns:a="http://schemas.openxmlformats.org/drawingml/2006/main" xmlns:r="http://schemas.openxmlformats.org/officeDocument/2006/relationships" xmlns:p="http://schemas.openxmlformats.org/presentationml/2006/main" showMasterSp="0" showMasterPhAnim="0">
   <p:cSld>
     <p:spTree>
       <p:nvGrpSpPr>
-        <p:cNvPr id="86" name="Shape 86"/>
+        <p:cNvPr id="1" name="Shape 86"/>
         <p:cNvGrpSpPr/>
         <p:nvPr/>
       </p:nvGrpSpPr>
@@ -944,19 +1117,26 @@
       <p:sp>
         <p:nvSpPr>
           <p:cNvPr id="87" name="Shape 87"/>
-          <p:cNvSpPr/>
+          <p:cNvSpPr>
+            <a:spLocks noGrp="1" noRot="1" noChangeAspect="1"/>
+          </p:cNvSpPr>
           <p:nvPr>
-            <p:ph idx="2" type="sldImg"/>
+            <p:ph type="sldImg" idx="2"/>
           </p:nvPr>
         </p:nvSpPr>
         <p:spPr>
           <a:xfrm>
-            <a:off x="381187" y="685800"/>
-            <a:ext cx="6096299" cy="3429000"/>
+            <a:off x="381000" y="685800"/>
+            <a:ext cx="6096000" cy="3429000"/>
           </a:xfrm>
           <a:custGeom>
+            <a:avLst/>
+            <a:gdLst/>
+            <a:ahLst/>
+            <a:cxnLst/>
+            <a:rect l="0" t="0" r="0" b="0"/>
             <a:pathLst>
-              <a:path extrusionOk="0" h="120000" w="120000">
+              <a:path w="120000" h="120000" extrusionOk="0">
                 <a:moveTo>
                   <a:pt x="0" y="0"/>
                 </a:moveTo>
@@ -974,23 +1154,25 @@
             </a:pathLst>
           </a:custGeom>
           <a:noFill/>
-          <a:ln cap="flat" cmpd="sng" w="9525">
+          <a:ln w="9525" cap="flat" cmpd="sng">
             <a:solidFill>
               <a:srgbClr val="000000"/>
             </a:solidFill>
             <a:prstDash val="solid"/>
             <a:round/>
-            <a:headEnd len="med" w="med" type="none"/>
-            <a:tailEnd len="med" w="med" type="none"/>
+            <a:headEnd type="none" w="med" len="med"/>
+            <a:tailEnd type="none" w="med" len="med"/>
           </a:ln>
         </p:spPr>
       </p:sp>
       <p:sp>
         <p:nvSpPr>
           <p:cNvPr id="88" name="Shape 88"/>
-          <p:cNvSpPr txBox="1"/>
+          <p:cNvSpPr txBox="1">
+            <a:spLocks noGrp="1"/>
+          </p:cNvSpPr>
           <p:nvPr>
-            <p:ph idx="1" type="body"/>
+            <p:ph type="body" idx="1"/>
           </p:nvPr>
         </p:nvSpPr>
         <p:spPr>
@@ -1003,7 +1185,7 @@
           </a:prstGeom>
         </p:spPr>
         <p:txBody>
-          <a:bodyPr anchorCtr="0" anchor="t" bIns="91425" lIns="91425" rIns="91425" tIns="91425">
+          <a:bodyPr lIns="91425" tIns="91425" rIns="91425" bIns="91425" anchor="t" anchorCtr="0">
             <a:noAutofit/>
           </a:bodyPr>
           <a:lstStyle/>
@@ -1014,14 +1196,16 @@
               </a:spcBef>
               <a:buNone/>
             </a:pPr>
-            <a:r>
-              <a:t/>
-            </a:r>
             <a:endParaRPr/>
           </a:p>
         </p:txBody>
       </p:sp>
     </p:spTree>
+    <p:extLst>
+      <p:ext uri="{BB962C8B-B14F-4D97-AF65-F5344CB8AC3E}">
+        <p14:creationId xmlns:p14="http://schemas.microsoft.com/office/powerpoint/2010/main" val="2597872618"/>
+      </p:ext>
+    </p:extLst>
   </p:cSld>
   <p:clrMapOvr>
     <a:masterClrMapping/>
@@ -1030,11 +1214,11 @@
 </file>
 
 <file path=ppt/notesSlides/notesSlide7.xml><?xml version="1.0" encoding="utf-8"?>
-<p:notes xmlns:a="http://schemas.openxmlformats.org/drawingml/2006/main" xmlns:r="http://schemas.openxmlformats.org/officeDocument/2006/relationships" xmlns:mc="http://schemas.openxmlformats.org/markup-compatibility/2006" xmlns:mv="urn:schemas-microsoft-com:mac:vml" xmlns:p="http://schemas.openxmlformats.org/presentationml/2006/main" xmlns:c="http://schemas.openxmlformats.org/drawingml/2006/chart" xmlns:dgm="http://schemas.openxmlformats.org/drawingml/2006/diagram" xmlns:o="urn:schemas-microsoft-com:office:office" xmlns:v="urn:schemas-microsoft-com:vml" xmlns:pvml="urn:schemas-microsoft-com:office:powerpoint" xmlns:com="http://schemas.openxmlformats.org/drawingml/2006/compatibility" xmlns:p14="http://schemas.microsoft.com/office/powerpoint/2010/main" showMasterPhAnim="0" showMasterSp="0">
+<p:notes xmlns:a="http://schemas.openxmlformats.org/drawingml/2006/main" xmlns:r="http://schemas.openxmlformats.org/officeDocument/2006/relationships" xmlns:p="http://schemas.openxmlformats.org/presentationml/2006/main" showMasterSp="0" showMasterPhAnim="0">
   <p:cSld>
     <p:spTree>
       <p:nvGrpSpPr>
-        <p:cNvPr id="91" name="Shape 91"/>
+        <p:cNvPr id="1" name="Shape 91"/>
         <p:cNvGrpSpPr/>
         <p:nvPr/>
       </p:nvGrpSpPr>
@@ -1049,19 +1233,26 @@
       <p:sp>
         <p:nvSpPr>
           <p:cNvPr id="92" name="Shape 92"/>
-          <p:cNvSpPr/>
+          <p:cNvSpPr>
+            <a:spLocks noGrp="1" noRot="1" noChangeAspect="1"/>
+          </p:cNvSpPr>
           <p:nvPr>
-            <p:ph idx="2" type="sldImg"/>
+            <p:ph type="sldImg" idx="2"/>
           </p:nvPr>
         </p:nvSpPr>
         <p:spPr>
           <a:xfrm>
-            <a:off x="381187" y="685800"/>
-            <a:ext cx="6096299" cy="3429000"/>
+            <a:off x="381000" y="685800"/>
+            <a:ext cx="6096000" cy="3429000"/>
           </a:xfrm>
           <a:custGeom>
+            <a:avLst/>
+            <a:gdLst/>
+            <a:ahLst/>
+            <a:cxnLst/>
+            <a:rect l="0" t="0" r="0" b="0"/>
             <a:pathLst>
-              <a:path extrusionOk="0" h="120000" w="120000">
+              <a:path w="120000" h="120000" extrusionOk="0">
                 <a:moveTo>
                   <a:pt x="0" y="0"/>
                 </a:moveTo>
@@ -1079,23 +1270,25 @@
             </a:pathLst>
           </a:custGeom>
           <a:noFill/>
-          <a:ln cap="flat" cmpd="sng" w="9525">
+          <a:ln w="9525" cap="flat" cmpd="sng">
             <a:solidFill>
               <a:srgbClr val="000000"/>
             </a:solidFill>
             <a:prstDash val="solid"/>
             <a:round/>
-            <a:headEnd len="med" w="med" type="none"/>
-            <a:tailEnd len="med" w="med" type="none"/>
+            <a:headEnd type="none" w="med" len="med"/>
+            <a:tailEnd type="none" w="med" len="med"/>
           </a:ln>
         </p:spPr>
       </p:sp>
       <p:sp>
         <p:nvSpPr>
           <p:cNvPr id="93" name="Shape 93"/>
-          <p:cNvSpPr txBox="1"/>
+          <p:cNvSpPr txBox="1">
+            <a:spLocks noGrp="1"/>
+          </p:cNvSpPr>
           <p:nvPr>
-            <p:ph idx="1" type="body"/>
+            <p:ph type="body" idx="1"/>
           </p:nvPr>
         </p:nvSpPr>
         <p:spPr>
@@ -1108,7 +1301,7 @@
           </a:prstGeom>
         </p:spPr>
         <p:txBody>
-          <a:bodyPr anchorCtr="0" anchor="t" bIns="91425" lIns="91425" rIns="91425" tIns="91425">
+          <a:bodyPr lIns="91425" tIns="91425" rIns="91425" bIns="91425" anchor="t" anchorCtr="0">
             <a:noAutofit/>
           </a:bodyPr>
           <a:lstStyle/>
@@ -1119,14 +1312,16 @@
               </a:spcBef>
               <a:buNone/>
             </a:pPr>
-            <a:r>
-              <a:t/>
-            </a:r>
             <a:endParaRPr/>
           </a:p>
         </p:txBody>
       </p:sp>
     </p:spTree>
+    <p:extLst>
+      <p:ext uri="{BB962C8B-B14F-4D97-AF65-F5344CB8AC3E}">
+        <p14:creationId xmlns:p14="http://schemas.microsoft.com/office/powerpoint/2010/main" val="1290229345"/>
+      </p:ext>
+    </p:extLst>
   </p:cSld>
   <p:clrMapOvr>
     <a:masterClrMapping/>
@@ -1135,11 +1330,11 @@
 </file>
 
 <file path=ppt/notesSlides/notesSlide8.xml><?xml version="1.0" encoding="utf-8"?>
-<p:notes xmlns:a="http://schemas.openxmlformats.org/drawingml/2006/main" xmlns:r="http://schemas.openxmlformats.org/officeDocument/2006/relationships" xmlns:mc="http://schemas.openxmlformats.org/markup-compatibility/2006" xmlns:mv="urn:schemas-microsoft-com:mac:vml" xmlns:p="http://schemas.openxmlformats.org/presentationml/2006/main" xmlns:c="http://schemas.openxmlformats.org/drawingml/2006/chart" xmlns:dgm="http://schemas.openxmlformats.org/drawingml/2006/diagram" xmlns:o="urn:schemas-microsoft-com:office:office" xmlns:v="urn:schemas-microsoft-com:vml" xmlns:pvml="urn:schemas-microsoft-com:office:powerpoint" xmlns:com="http://schemas.openxmlformats.org/drawingml/2006/compatibility" xmlns:p14="http://schemas.microsoft.com/office/powerpoint/2010/main" showMasterPhAnim="0" showMasterSp="0">
+<p:notes xmlns:a="http://schemas.openxmlformats.org/drawingml/2006/main" xmlns:r="http://schemas.openxmlformats.org/officeDocument/2006/relationships" xmlns:p="http://schemas.openxmlformats.org/presentationml/2006/main" showMasterSp="0" showMasterPhAnim="0">
   <p:cSld>
     <p:spTree>
       <p:nvGrpSpPr>
-        <p:cNvPr id="97" name="Shape 97"/>
+        <p:cNvPr id="1" name="Shape 97"/>
         <p:cNvGrpSpPr/>
         <p:nvPr/>
       </p:nvGrpSpPr>
@@ -1154,9 +1349,11 @@
       <p:sp>
         <p:nvSpPr>
           <p:cNvPr id="98" name="Shape 98"/>
-          <p:cNvSpPr/>
+          <p:cNvSpPr>
+            <a:spLocks noGrp="1" noRot="1" noChangeAspect="1"/>
+          </p:cNvSpPr>
           <p:nvPr>
-            <p:ph idx="2" type="sldImg"/>
+            <p:ph type="sldImg" idx="2"/>
           </p:nvPr>
         </p:nvSpPr>
         <p:spPr>
@@ -1165,8 +1362,13 @@
             <a:ext cx="6096299" cy="3429000"/>
           </a:xfrm>
           <a:custGeom>
+            <a:avLst/>
+            <a:gdLst/>
+            <a:ahLst/>
+            <a:cxnLst/>
+            <a:rect l="0" t="0" r="0" b="0"/>
             <a:pathLst>
-              <a:path extrusionOk="0" h="120000" w="120000">
+              <a:path w="120000" h="120000" extrusionOk="0">
                 <a:moveTo>
                   <a:pt x="0" y="0"/>
                 </a:moveTo>
@@ -1184,23 +1386,25 @@
             </a:pathLst>
           </a:custGeom>
           <a:noFill/>
-          <a:ln cap="flat" cmpd="sng" w="9525">
+          <a:ln w="9525" cap="flat" cmpd="sng">
             <a:solidFill>
               <a:srgbClr val="000000"/>
             </a:solidFill>
             <a:prstDash val="solid"/>
             <a:round/>
-            <a:headEnd len="med" w="med" type="none"/>
-            <a:tailEnd len="med" w="med" type="none"/>
+            <a:headEnd type="none" w="med" len="med"/>
+            <a:tailEnd type="none" w="med" len="med"/>
           </a:ln>
         </p:spPr>
       </p:sp>
       <p:sp>
         <p:nvSpPr>
           <p:cNvPr id="99" name="Shape 99"/>
-          <p:cNvSpPr txBox="1"/>
+          <p:cNvSpPr txBox="1">
+            <a:spLocks noGrp="1"/>
+          </p:cNvSpPr>
           <p:nvPr>
-            <p:ph idx="1" type="body"/>
+            <p:ph type="body" idx="1"/>
           </p:nvPr>
         </p:nvSpPr>
         <p:spPr>
@@ -1213,7 +1417,7 @@
           </a:prstGeom>
         </p:spPr>
         <p:txBody>
-          <a:bodyPr anchorCtr="0" anchor="t" bIns="91425" lIns="91425" rIns="91425" tIns="91425">
+          <a:bodyPr lIns="91425" tIns="91425" rIns="91425" bIns="91425" anchor="t" anchorCtr="0">
             <a:noAutofit/>
           </a:bodyPr>
           <a:lstStyle/>
@@ -1224,14 +1428,16 @@
               </a:spcBef>
               <a:buNone/>
             </a:pPr>
-            <a:r>
-              <a:t/>
-            </a:r>
             <a:endParaRPr/>
           </a:p>
         </p:txBody>
       </p:sp>
     </p:spTree>
+    <p:extLst>
+      <p:ext uri="{BB962C8B-B14F-4D97-AF65-F5344CB8AC3E}">
+        <p14:creationId xmlns:p14="http://schemas.microsoft.com/office/powerpoint/2010/main" val="1225810599"/>
+      </p:ext>
+    </p:extLst>
   </p:cSld>
   <p:clrMapOvr>
     <a:masterClrMapping/>
@@ -1240,11 +1446,11 @@
 </file>
 
 <file path=ppt/notesSlides/notesSlide9.xml><?xml version="1.0" encoding="utf-8"?>
-<p:notes xmlns:a="http://schemas.openxmlformats.org/drawingml/2006/main" xmlns:r="http://schemas.openxmlformats.org/officeDocument/2006/relationships" xmlns:mc="http://schemas.openxmlformats.org/markup-compatibility/2006" xmlns:mv="urn:schemas-microsoft-com:mac:vml" xmlns:p="http://schemas.openxmlformats.org/presentationml/2006/main" xmlns:c="http://schemas.openxmlformats.org/drawingml/2006/chart" xmlns:dgm="http://schemas.openxmlformats.org/drawingml/2006/diagram" xmlns:o="urn:schemas-microsoft-com:office:office" xmlns:v="urn:schemas-microsoft-com:vml" xmlns:pvml="urn:schemas-microsoft-com:office:powerpoint" xmlns:com="http://schemas.openxmlformats.org/drawingml/2006/compatibility" xmlns:p14="http://schemas.microsoft.com/office/powerpoint/2010/main" showMasterPhAnim="0" showMasterSp="0">
+<p:notes xmlns:a="http://schemas.openxmlformats.org/drawingml/2006/main" xmlns:r="http://schemas.openxmlformats.org/officeDocument/2006/relationships" xmlns:p="http://schemas.openxmlformats.org/presentationml/2006/main" showMasterSp="0" showMasterPhAnim="0">
   <p:cSld>
     <p:spTree>
       <p:nvGrpSpPr>
-        <p:cNvPr id="103" name="Shape 103"/>
+        <p:cNvPr id="1" name="Shape 103"/>
         <p:cNvGrpSpPr/>
         <p:nvPr/>
       </p:nvGrpSpPr>
@@ -1259,9 +1465,11 @@
       <p:sp>
         <p:nvSpPr>
           <p:cNvPr id="104" name="Shape 104"/>
-          <p:cNvSpPr/>
+          <p:cNvSpPr>
+            <a:spLocks noGrp="1" noRot="1" noChangeAspect="1"/>
+          </p:cNvSpPr>
           <p:nvPr>
-            <p:ph idx="2" type="sldImg"/>
+            <p:ph type="sldImg" idx="2"/>
           </p:nvPr>
         </p:nvSpPr>
         <p:spPr>
@@ -1270,8 +1478,13 @@
             <a:ext cx="6096299" cy="3429000"/>
           </a:xfrm>
           <a:custGeom>
+            <a:avLst/>
+            <a:gdLst/>
+            <a:ahLst/>
+            <a:cxnLst/>
+            <a:rect l="0" t="0" r="0" b="0"/>
             <a:pathLst>
-              <a:path extrusionOk="0" h="120000" w="120000">
+              <a:path w="120000" h="120000" extrusionOk="0">
                 <a:moveTo>
                   <a:pt x="0" y="0"/>
                 </a:moveTo>
@@ -1289,23 +1502,25 @@
             </a:pathLst>
           </a:custGeom>
           <a:noFill/>
-          <a:ln cap="flat" cmpd="sng" w="9525">
+          <a:ln w="9525" cap="flat" cmpd="sng">
             <a:solidFill>
               <a:srgbClr val="000000"/>
             </a:solidFill>
             <a:prstDash val="solid"/>
             <a:round/>
-            <a:headEnd len="med" w="med" type="none"/>
-            <a:tailEnd len="med" w="med" type="none"/>
+            <a:headEnd type="none" w="med" len="med"/>
+            <a:tailEnd type="none" w="med" len="med"/>
           </a:ln>
         </p:spPr>
       </p:sp>
       <p:sp>
         <p:nvSpPr>
           <p:cNvPr id="105" name="Shape 105"/>
-          <p:cNvSpPr txBox="1"/>
+          <p:cNvSpPr txBox="1">
+            <a:spLocks noGrp="1"/>
+          </p:cNvSpPr>
           <p:nvPr>
-            <p:ph idx="1" type="body"/>
+            <p:ph type="body" idx="1"/>
           </p:nvPr>
         </p:nvSpPr>
         <p:spPr>
@@ -1318,7 +1533,7 @@
           </a:prstGeom>
         </p:spPr>
         <p:txBody>
-          <a:bodyPr anchorCtr="0" anchor="t" bIns="91425" lIns="91425" rIns="91425" tIns="91425">
+          <a:bodyPr lIns="91425" tIns="91425" rIns="91425" bIns="91425" anchor="t" anchorCtr="0">
             <a:noAutofit/>
           </a:bodyPr>
           <a:lstStyle/>
@@ -1329,14 +1544,16 @@
               </a:spcBef>
               <a:buNone/>
             </a:pPr>
-            <a:r>
-              <a:t/>
-            </a:r>
             <a:endParaRPr/>
           </a:p>
         </p:txBody>
       </p:sp>
     </p:spTree>
+    <p:extLst>
+      <p:ext uri="{BB962C8B-B14F-4D97-AF65-F5344CB8AC3E}">
+        <p14:creationId xmlns:p14="http://schemas.microsoft.com/office/powerpoint/2010/main" val="712543060"/>
+      </p:ext>
+    </p:extLst>
   </p:cSld>
   <p:clrMapOvr>
     <a:masterClrMapping/>
@@ -1345,11 +1562,11 @@
 </file>
 
 <file path=ppt/slideLayouts/slideLayout1.xml><?xml version="1.0" encoding="utf-8"?>
-<p:sldLayout xmlns:a="http://schemas.openxmlformats.org/drawingml/2006/main" xmlns:r="http://schemas.openxmlformats.org/officeDocument/2006/relationships" xmlns:mc="http://schemas.openxmlformats.org/markup-compatibility/2006" xmlns:mv="urn:schemas-microsoft-com:mac:vml" xmlns:p="http://schemas.openxmlformats.org/presentationml/2006/main" xmlns:c="http://schemas.openxmlformats.org/drawingml/2006/chart" xmlns:dgm="http://schemas.openxmlformats.org/drawingml/2006/diagram" xmlns:o="urn:schemas-microsoft-com:office:office" xmlns:v="urn:schemas-microsoft-com:vml" xmlns:pvml="urn:schemas-microsoft-com:office:powerpoint" xmlns:com="http://schemas.openxmlformats.org/drawingml/2006/compatibility" xmlns:p14="http://schemas.microsoft.com/office/powerpoint/2010/main" type="title">
+<p:sldLayout xmlns:a="http://schemas.openxmlformats.org/drawingml/2006/main" xmlns:r="http://schemas.openxmlformats.org/officeDocument/2006/relationships" xmlns:p="http://schemas.openxmlformats.org/presentationml/2006/main" type="title">
   <p:cSld name="Title slide">
     <p:spTree>
       <p:nvGrpSpPr>
-        <p:cNvPr id="8" name="Shape 8"/>
+        <p:cNvPr id="1" name="Shape 8"/>
         <p:cNvGrpSpPr/>
         <p:nvPr/>
       </p:nvGrpSpPr>
@@ -1383,7 +1600,7 @@
           </a:ln>
         </p:spPr>
         <p:txBody>
-          <a:bodyPr anchorCtr="0" anchor="ctr" bIns="91425" lIns="91425" rIns="91425" tIns="91425">
+          <a:bodyPr lIns="91425" tIns="91425" rIns="91425" bIns="91425" anchor="ctr" anchorCtr="0">
             <a:noAutofit/>
           </a:bodyPr>
           <a:lstStyle/>
@@ -1394,9 +1611,6 @@
               </a:spcBef>
               <a:buNone/>
             </a:pPr>
-            <a:r>
-              <a:t/>
-            </a:r>
             <a:endParaRPr/>
           </a:p>
         </p:txBody>
@@ -1416,18 +1630,18 @@
             <a:avLst/>
           </a:prstGeom>
           <a:noFill/>
-          <a:ln cap="flat" cmpd="sng" w="28575">
+          <a:ln w="28575" cap="flat" cmpd="sng">
             <a:solidFill>
               <a:schemeClr val="lt1"/>
             </a:solidFill>
             <a:prstDash val="solid"/>
             <a:miter/>
-            <a:headEnd len="med" w="med" type="none"/>
-            <a:tailEnd len="med" w="med" type="none"/>
+            <a:headEnd type="none" w="med" len="med"/>
+            <a:tailEnd type="none" w="med" len="med"/>
           </a:ln>
         </p:spPr>
         <p:txBody>
-          <a:bodyPr anchorCtr="0" anchor="ctr" bIns="91425" lIns="91425" rIns="91425" tIns="91425">
+          <a:bodyPr lIns="91425" tIns="91425" rIns="91425" bIns="91425" anchor="ctr" anchorCtr="0">
             <a:noAutofit/>
           </a:bodyPr>
           <a:lstStyle/>
@@ -1438,9 +1652,6 @@
               </a:spcBef>
               <a:buNone/>
             </a:pPr>
-            <a:r>
-              <a:t/>
-            </a:r>
             <a:endParaRPr/>
           </a:p>
         </p:txBody>
@@ -1448,7 +1659,9 @@
       <p:sp>
         <p:nvSpPr>
           <p:cNvPr id="11" name="Shape 11"/>
-          <p:cNvSpPr txBox="1"/>
+          <p:cNvSpPr txBox="1">
+            <a:spLocks noGrp="1"/>
+          </p:cNvSpPr>
           <p:nvPr>
             <p:ph type="ctrTitle"/>
           </p:nvPr>
@@ -1463,7 +1676,7 @@
           </a:prstGeom>
         </p:spPr>
         <p:txBody>
-          <a:bodyPr anchorCtr="0" anchor="ctr" bIns="91425" lIns="91425" rIns="91425" tIns="91425"/>
+          <a:bodyPr lIns="91425" tIns="91425" rIns="91425" bIns="91425" anchor="ctr" anchorCtr="0"/>
           <a:lstStyle>
             <a:lvl1pPr algn="ctr">
               <a:spcBef>
@@ -1628,15 +1841,19 @@
               </a:defRPr>
             </a:lvl9pPr>
           </a:lstStyle>
-          <a:p/>
+          <a:p>
+            <a:endParaRPr/>
+          </a:p>
         </p:txBody>
       </p:sp>
       <p:sp>
         <p:nvSpPr>
           <p:cNvPr id="12" name="Shape 12"/>
-          <p:cNvSpPr txBox="1"/>
+          <p:cNvSpPr txBox="1">
+            <a:spLocks noGrp="1"/>
+          </p:cNvSpPr>
           <p:nvPr>
-            <p:ph idx="1" type="subTitle"/>
+            <p:ph type="subTitle" idx="1"/>
           </p:nvPr>
         </p:nvSpPr>
         <p:spPr>
@@ -1649,7 +1866,7 @@
           </a:prstGeom>
         </p:spPr>
         <p:txBody>
-          <a:bodyPr anchorCtr="0" anchor="b" bIns="91425" lIns="91425" rIns="91425" tIns="91425"/>
+          <a:bodyPr lIns="91425" tIns="91425" rIns="91425" bIns="91425" anchor="b" anchorCtr="0"/>
           <a:lstStyle>
             <a:lvl1pPr algn="ctr">
               <a:lnSpc>
@@ -1692,7 +1909,7 @@
               <a:buSzPct val="100000"/>
               <a:buFont typeface="Playfair Display"/>
               <a:buNone/>
-              <a:defRPr b="1" sz="1800">
+              <a:defRPr sz="1800" b="1">
                 <a:solidFill>
                   <a:schemeClr val="lt1"/>
                 </a:solidFill>
@@ -1718,7 +1935,7 @@
               <a:buSzPct val="100000"/>
               <a:buFont typeface="Playfair Display"/>
               <a:buNone/>
-              <a:defRPr b="1" sz="1800">
+              <a:defRPr sz="1800" b="1">
                 <a:solidFill>
                   <a:schemeClr val="lt1"/>
                 </a:solidFill>
@@ -1744,7 +1961,7 @@
               <a:buSzPct val="100000"/>
               <a:buFont typeface="Playfair Display"/>
               <a:buNone/>
-              <a:defRPr b="1" sz="1800">
+              <a:defRPr sz="1800" b="1">
                 <a:solidFill>
                   <a:schemeClr val="lt1"/>
                 </a:solidFill>
@@ -1770,7 +1987,7 @@
               <a:buSzPct val="100000"/>
               <a:buFont typeface="Playfair Display"/>
               <a:buNone/>
-              <a:defRPr b="1" sz="1800">
+              <a:defRPr sz="1800" b="1">
                 <a:solidFill>
                   <a:schemeClr val="lt1"/>
                 </a:solidFill>
@@ -1796,7 +2013,7 @@
               <a:buSzPct val="100000"/>
               <a:buFont typeface="Playfair Display"/>
               <a:buNone/>
-              <a:defRPr b="1" sz="1800">
+              <a:defRPr sz="1800" b="1">
                 <a:solidFill>
                   <a:schemeClr val="lt1"/>
                 </a:solidFill>
@@ -1822,7 +2039,7 @@
               <a:buSzPct val="100000"/>
               <a:buFont typeface="Playfair Display"/>
               <a:buNone/>
-              <a:defRPr b="1" sz="1800">
+              <a:defRPr sz="1800" b="1">
                 <a:solidFill>
                   <a:schemeClr val="lt1"/>
                 </a:solidFill>
@@ -1848,7 +2065,7 @@
               <a:buSzPct val="100000"/>
               <a:buFont typeface="Playfair Display"/>
               <a:buNone/>
-              <a:defRPr b="1" sz="1800">
+              <a:defRPr sz="1800" b="1">
                 <a:solidFill>
                   <a:schemeClr val="lt1"/>
                 </a:solidFill>
@@ -1874,7 +2091,7 @@
               <a:buSzPct val="100000"/>
               <a:buFont typeface="Playfair Display"/>
               <a:buNone/>
-              <a:defRPr b="1" sz="1800">
+              <a:defRPr sz="1800" b="1">
                 <a:solidFill>
                   <a:schemeClr val="lt1"/>
                 </a:solidFill>
@@ -1885,15 +2102,19 @@
               </a:defRPr>
             </a:lvl9pPr>
           </a:lstStyle>
-          <a:p/>
+          <a:p>
+            <a:endParaRPr/>
+          </a:p>
         </p:txBody>
       </p:sp>
       <p:sp>
         <p:nvSpPr>
           <p:cNvPr id="13" name="Shape 13"/>
-          <p:cNvSpPr txBox="1"/>
+          <p:cNvSpPr txBox="1">
+            <a:spLocks noGrp="1"/>
+          </p:cNvSpPr>
           <p:nvPr>
-            <p:ph idx="12" type="sldNum"/>
+            <p:ph type="sldNum" idx="12"/>
           </p:nvPr>
         </p:nvSpPr>
         <p:spPr>
@@ -1906,7 +2127,7 @@
           </a:prstGeom>
         </p:spPr>
         <p:txBody>
-          <a:bodyPr anchorCtr="0" anchor="ctr" bIns="91425" lIns="91425" rIns="91425" tIns="91425">
+          <a:bodyPr lIns="91425" tIns="91425" rIns="91425" bIns="91425" anchor="ctr" anchorCtr="0">
             <a:noAutofit/>
           </a:bodyPr>
           <a:lstStyle/>
@@ -1921,6 +2142,7 @@
               <a:rPr lang="en"/>
               <a:t>‹#›</a:t>
             </a:fld>
+            <a:endParaRPr lang="en"/>
           </a:p>
         </p:txBody>
       </p:sp>
@@ -1933,11 +2155,11 @@
 </file>
 
 <file path=ppt/slideLayouts/slideLayout10.xml><?xml version="1.0" encoding="utf-8"?>
-<p:sldLayout xmlns:a="http://schemas.openxmlformats.org/drawingml/2006/main" xmlns:r="http://schemas.openxmlformats.org/officeDocument/2006/relationships" xmlns:mc="http://schemas.openxmlformats.org/markup-compatibility/2006" xmlns:mv="urn:schemas-microsoft-com:mac:vml" xmlns:p="http://schemas.openxmlformats.org/presentationml/2006/main" xmlns:c="http://schemas.openxmlformats.org/drawingml/2006/chart" xmlns:dgm="http://schemas.openxmlformats.org/drawingml/2006/diagram" xmlns:o="urn:schemas-microsoft-com:office:office" xmlns:v="urn:schemas-microsoft-com:vml" xmlns:pvml="urn:schemas-microsoft-com:office:powerpoint" xmlns:com="http://schemas.openxmlformats.org/drawingml/2006/compatibility" xmlns:p14="http://schemas.microsoft.com/office/powerpoint/2010/main">
+<p:sldLayout xmlns:a="http://schemas.openxmlformats.org/drawingml/2006/main" xmlns:r="http://schemas.openxmlformats.org/officeDocument/2006/relationships" xmlns:p="http://schemas.openxmlformats.org/presentationml/2006/main">
   <p:cSld name="Big number">
     <p:spTree>
       <p:nvGrpSpPr>
-        <p:cNvPr id="47" name="Shape 47"/>
+        <p:cNvPr id="1" name="Shape 47"/>
         <p:cNvGrpSpPr/>
         <p:nvPr/>
       </p:nvGrpSpPr>
@@ -1971,7 +2193,7 @@
           </a:ln>
         </p:spPr>
         <p:txBody>
-          <a:bodyPr anchorCtr="0" anchor="ctr" bIns="91425" lIns="91425" rIns="91425" tIns="91425">
+          <a:bodyPr lIns="91425" tIns="91425" rIns="91425" bIns="91425" anchor="ctr" anchorCtr="0">
             <a:noAutofit/>
           </a:bodyPr>
           <a:lstStyle/>
@@ -1982,9 +2204,6 @@
               </a:spcBef>
               <a:buNone/>
             </a:pPr>
-            <a:r>
-              <a:t/>
-            </a:r>
             <a:endParaRPr/>
           </a:p>
         </p:txBody>
@@ -1992,7 +2211,9 @@
       <p:sp>
         <p:nvSpPr>
           <p:cNvPr id="49" name="Shape 49"/>
-          <p:cNvSpPr txBox="1"/>
+          <p:cNvSpPr txBox="1">
+            <a:spLocks noGrp="1"/>
+          </p:cNvSpPr>
           <p:nvPr>
             <p:ph type="title"/>
           </p:nvPr>
@@ -2007,7 +2228,7 @@
           </a:prstGeom>
         </p:spPr>
         <p:txBody>
-          <a:bodyPr anchorCtr="0" anchor="b" bIns="91425" lIns="91425" rIns="91425" tIns="91425"/>
+          <a:bodyPr lIns="91425" tIns="91425" rIns="91425" bIns="91425" anchor="b" anchorCtr="0"/>
           <a:lstStyle>
             <a:lvl1pPr algn="ctr">
               <a:spcBef>
@@ -2127,15 +2348,19 @@
               </a:defRPr>
             </a:lvl9pPr>
           </a:lstStyle>
-          <a:p/>
+          <a:p>
+            <a:endParaRPr/>
+          </a:p>
         </p:txBody>
       </p:sp>
       <p:sp>
         <p:nvSpPr>
           <p:cNvPr id="50" name="Shape 50"/>
-          <p:cNvSpPr txBox="1"/>
+          <p:cNvSpPr txBox="1">
+            <a:spLocks noGrp="1"/>
+          </p:cNvSpPr>
           <p:nvPr>
-            <p:ph idx="1" type="body"/>
+            <p:ph type="body" idx="1"/>
           </p:nvPr>
         </p:nvSpPr>
         <p:spPr>
@@ -2148,7 +2373,7 @@
           </a:prstGeom>
         </p:spPr>
         <p:txBody>
-          <a:bodyPr anchorCtr="0" anchor="t" bIns="91425" lIns="91425" rIns="91425" tIns="91425"/>
+          <a:bodyPr lIns="91425" tIns="91425" rIns="91425" bIns="91425" anchor="t" anchorCtr="0"/>
           <a:lstStyle>
             <a:lvl1pPr algn="ctr">
               <a:spcBef>
@@ -2205,15 +2430,19 @@
               <a:defRPr/>
             </a:lvl9pPr>
           </a:lstStyle>
-          <a:p/>
+          <a:p>
+            <a:endParaRPr/>
+          </a:p>
         </p:txBody>
       </p:sp>
       <p:sp>
         <p:nvSpPr>
           <p:cNvPr id="51" name="Shape 51"/>
-          <p:cNvSpPr txBox="1"/>
+          <p:cNvSpPr txBox="1">
+            <a:spLocks noGrp="1"/>
+          </p:cNvSpPr>
           <p:nvPr>
-            <p:ph idx="12" type="sldNum"/>
+            <p:ph type="sldNum" idx="12"/>
           </p:nvPr>
         </p:nvSpPr>
         <p:spPr>
@@ -2226,7 +2455,7 @@
           </a:prstGeom>
         </p:spPr>
         <p:txBody>
-          <a:bodyPr anchorCtr="0" anchor="ctr" bIns="91425" lIns="91425" rIns="91425" tIns="91425">
+          <a:bodyPr lIns="91425" tIns="91425" rIns="91425" bIns="91425" anchor="ctr" anchorCtr="0">
             <a:noAutofit/>
           </a:bodyPr>
           <a:lstStyle/>
@@ -2241,6 +2470,7 @@
               <a:rPr lang="en"/>
               <a:t>‹#›</a:t>
             </a:fld>
+            <a:endParaRPr lang="en"/>
           </a:p>
         </p:txBody>
       </p:sp>
@@ -2253,11 +2483,11 @@
 </file>
 
 <file path=ppt/slideLayouts/slideLayout11.xml><?xml version="1.0" encoding="utf-8"?>
-<p:sldLayout xmlns:a="http://schemas.openxmlformats.org/drawingml/2006/main" xmlns:r="http://schemas.openxmlformats.org/officeDocument/2006/relationships" xmlns:mc="http://schemas.openxmlformats.org/markup-compatibility/2006" xmlns:mv="urn:schemas-microsoft-com:mac:vml" xmlns:p="http://schemas.openxmlformats.org/presentationml/2006/main" xmlns:c="http://schemas.openxmlformats.org/drawingml/2006/chart" xmlns:dgm="http://schemas.openxmlformats.org/drawingml/2006/diagram" xmlns:o="urn:schemas-microsoft-com:office:office" xmlns:v="urn:schemas-microsoft-com:vml" xmlns:pvml="urn:schemas-microsoft-com:office:powerpoint" xmlns:com="http://schemas.openxmlformats.org/drawingml/2006/compatibility" xmlns:p14="http://schemas.microsoft.com/office/powerpoint/2010/main" type="blank">
+<p:sldLayout xmlns:a="http://schemas.openxmlformats.org/drawingml/2006/main" xmlns:r="http://schemas.openxmlformats.org/officeDocument/2006/relationships" xmlns:p="http://schemas.openxmlformats.org/presentationml/2006/main" type="blank">
   <p:cSld name="Blank">
     <p:spTree>
       <p:nvGrpSpPr>
-        <p:cNvPr id="52" name="Shape 52"/>
+        <p:cNvPr id="1" name="Shape 52"/>
         <p:cNvGrpSpPr/>
         <p:nvPr/>
       </p:nvGrpSpPr>
@@ -2272,9 +2502,11 @@
       <p:sp>
         <p:nvSpPr>
           <p:cNvPr id="53" name="Shape 53"/>
-          <p:cNvSpPr txBox="1"/>
+          <p:cNvSpPr txBox="1">
+            <a:spLocks noGrp="1"/>
+          </p:cNvSpPr>
           <p:nvPr>
-            <p:ph idx="12" type="sldNum"/>
+            <p:ph type="sldNum" idx="12"/>
           </p:nvPr>
         </p:nvSpPr>
         <p:spPr>
@@ -2287,7 +2519,7 @@
           </a:prstGeom>
         </p:spPr>
         <p:txBody>
-          <a:bodyPr anchorCtr="0" anchor="ctr" bIns="91425" lIns="91425" rIns="91425" tIns="91425">
+          <a:bodyPr lIns="91425" tIns="91425" rIns="91425" bIns="91425" anchor="ctr" anchorCtr="0">
             <a:noAutofit/>
           </a:bodyPr>
           <a:lstStyle/>
@@ -2302,6 +2534,7 @@
               <a:rPr lang="en"/>
               <a:t>‹#›</a:t>
             </a:fld>
+            <a:endParaRPr lang="en"/>
           </a:p>
         </p:txBody>
       </p:sp>
@@ -2314,18 +2547,19 @@
 </file>
 
 <file path=ppt/slideLayouts/slideLayout2.xml><?xml version="1.0" encoding="utf-8"?>
-<p:sldLayout xmlns:a="http://schemas.openxmlformats.org/drawingml/2006/main" xmlns:r="http://schemas.openxmlformats.org/officeDocument/2006/relationships" xmlns:mc="http://schemas.openxmlformats.org/markup-compatibility/2006" xmlns:mv="urn:schemas-microsoft-com:mac:vml" xmlns:p="http://schemas.openxmlformats.org/presentationml/2006/main" xmlns:c="http://schemas.openxmlformats.org/drawingml/2006/chart" xmlns:dgm="http://schemas.openxmlformats.org/drawingml/2006/diagram" xmlns:o="urn:schemas-microsoft-com:office:office" xmlns:v="urn:schemas-microsoft-com:vml" xmlns:pvml="urn:schemas-microsoft-com:office:powerpoint" xmlns:com="http://schemas.openxmlformats.org/drawingml/2006/compatibility" xmlns:p14="http://schemas.microsoft.com/office/powerpoint/2010/main" type="secHead">
+<p:sldLayout xmlns:a="http://schemas.openxmlformats.org/drawingml/2006/main" xmlns:r="http://schemas.openxmlformats.org/officeDocument/2006/relationships" xmlns:p="http://schemas.openxmlformats.org/presentationml/2006/main" type="secHead">
   <p:cSld name="Section title">
     <p:bg>
       <p:bgPr>
         <a:solidFill>
           <a:schemeClr val="dk1"/>
         </a:solidFill>
+        <a:effectLst/>
       </p:bgPr>
     </p:bg>
     <p:spTree>
       <p:nvGrpSpPr>
-        <p:cNvPr id="14" name="Shape 14"/>
+        <p:cNvPr id="1" name="Shape 14"/>
         <p:cNvGrpSpPr/>
         <p:nvPr/>
       </p:nvGrpSpPr>
@@ -2340,7 +2574,9 @@
       <p:sp>
         <p:nvSpPr>
           <p:cNvPr id="15" name="Shape 15"/>
-          <p:cNvSpPr txBox="1"/>
+          <p:cNvSpPr txBox="1">
+            <a:spLocks noGrp="1"/>
+          </p:cNvSpPr>
           <p:nvPr>
             <p:ph type="title"/>
           </p:nvPr>
@@ -2355,7 +2591,7 @@
           </a:prstGeom>
         </p:spPr>
         <p:txBody>
-          <a:bodyPr anchorCtr="0" anchor="ctr" bIns="91425" lIns="91425" rIns="91425" tIns="91425"/>
+          <a:bodyPr lIns="91425" tIns="91425" rIns="91425" bIns="91425" anchor="ctr" anchorCtr="0"/>
           <a:lstStyle>
             <a:lvl1pPr algn="ctr">
               <a:spcBef>
@@ -2366,7 +2602,7 @@
               </a:buClr>
               <a:buSzPct val="100000"/>
               <a:buFont typeface="Lato"/>
-              <a:defRPr b="0" sz="4800">
+              <a:defRPr sz="4800" b="0">
                 <a:solidFill>
                   <a:schemeClr val="lt1"/>
                 </a:solidFill>
@@ -2385,7 +2621,7 @@
               </a:buClr>
               <a:buSzPct val="100000"/>
               <a:buFont typeface="Lato"/>
-              <a:defRPr b="0" sz="4800">
+              <a:defRPr sz="4800" b="0">
                 <a:solidFill>
                   <a:schemeClr val="lt1"/>
                 </a:solidFill>
@@ -2404,7 +2640,7 @@
               </a:buClr>
               <a:buSzPct val="100000"/>
               <a:buFont typeface="Lato"/>
-              <a:defRPr b="0" sz="4800">
+              <a:defRPr sz="4800" b="0">
                 <a:solidFill>
                   <a:schemeClr val="lt1"/>
                 </a:solidFill>
@@ -2423,7 +2659,7 @@
               </a:buClr>
               <a:buSzPct val="100000"/>
               <a:buFont typeface="Lato"/>
-              <a:defRPr b="0" sz="4800">
+              <a:defRPr sz="4800" b="0">
                 <a:solidFill>
                   <a:schemeClr val="lt1"/>
                 </a:solidFill>
@@ -2442,7 +2678,7 @@
               </a:buClr>
               <a:buSzPct val="100000"/>
               <a:buFont typeface="Lato"/>
-              <a:defRPr b="0" sz="4800">
+              <a:defRPr sz="4800" b="0">
                 <a:solidFill>
                   <a:schemeClr val="lt1"/>
                 </a:solidFill>
@@ -2461,7 +2697,7 @@
               </a:buClr>
               <a:buSzPct val="100000"/>
               <a:buFont typeface="Lato"/>
-              <a:defRPr b="0" sz="4800">
+              <a:defRPr sz="4800" b="0">
                 <a:solidFill>
                   <a:schemeClr val="lt1"/>
                 </a:solidFill>
@@ -2480,7 +2716,7 @@
               </a:buClr>
               <a:buSzPct val="100000"/>
               <a:buFont typeface="Lato"/>
-              <a:defRPr b="0" sz="4800">
+              <a:defRPr sz="4800" b="0">
                 <a:solidFill>
                   <a:schemeClr val="lt1"/>
                 </a:solidFill>
@@ -2499,7 +2735,7 @@
               </a:buClr>
               <a:buSzPct val="100000"/>
               <a:buFont typeface="Lato"/>
-              <a:defRPr b="0" sz="4800">
+              <a:defRPr sz="4800" b="0">
                 <a:solidFill>
                   <a:schemeClr val="lt1"/>
                 </a:solidFill>
@@ -2518,7 +2754,7 @@
               </a:buClr>
               <a:buSzPct val="100000"/>
               <a:buFont typeface="Lato"/>
-              <a:defRPr b="0" sz="4800">
+              <a:defRPr sz="4800" b="0">
                 <a:solidFill>
                   <a:schemeClr val="lt1"/>
                 </a:solidFill>
@@ -2529,15 +2765,19 @@
               </a:defRPr>
             </a:lvl9pPr>
           </a:lstStyle>
-          <a:p/>
+          <a:p>
+            <a:endParaRPr/>
+          </a:p>
         </p:txBody>
       </p:sp>
       <p:sp>
         <p:nvSpPr>
           <p:cNvPr id="16" name="Shape 16"/>
-          <p:cNvSpPr txBox="1"/>
+          <p:cNvSpPr txBox="1">
+            <a:spLocks noGrp="1"/>
+          </p:cNvSpPr>
           <p:nvPr>
-            <p:ph idx="12" type="sldNum"/>
+            <p:ph type="sldNum" idx="12"/>
           </p:nvPr>
         </p:nvSpPr>
         <p:spPr>
@@ -2550,7 +2790,7 @@
           </a:prstGeom>
         </p:spPr>
         <p:txBody>
-          <a:bodyPr anchorCtr="0" anchor="ctr" bIns="91425" lIns="91425" rIns="91425" tIns="91425">
+          <a:bodyPr lIns="91425" tIns="91425" rIns="91425" bIns="91425" anchor="ctr" anchorCtr="0">
             <a:noAutofit/>
           </a:bodyPr>
           <a:lstStyle/>
@@ -2569,6 +2809,11 @@
               </a:rPr>
               <a:t>‹#›</a:t>
             </a:fld>
+            <a:endParaRPr lang="en">
+              <a:solidFill>
+                <a:schemeClr val="lt1"/>
+              </a:solidFill>
+            </a:endParaRPr>
           </a:p>
         </p:txBody>
       </p:sp>
@@ -2581,11 +2826,11 @@
 </file>
 
 <file path=ppt/slideLayouts/slideLayout3.xml><?xml version="1.0" encoding="utf-8"?>
-<p:sldLayout xmlns:a="http://schemas.openxmlformats.org/drawingml/2006/main" xmlns:r="http://schemas.openxmlformats.org/officeDocument/2006/relationships" xmlns:mc="http://schemas.openxmlformats.org/markup-compatibility/2006" xmlns:mv="urn:schemas-microsoft-com:mac:vml" xmlns:p="http://schemas.openxmlformats.org/presentationml/2006/main" xmlns:c="http://schemas.openxmlformats.org/drawingml/2006/chart" xmlns:dgm="http://schemas.openxmlformats.org/drawingml/2006/diagram" xmlns:o="urn:schemas-microsoft-com:office:office" xmlns:v="urn:schemas-microsoft-com:vml" xmlns:pvml="urn:schemas-microsoft-com:office:powerpoint" xmlns:com="http://schemas.openxmlformats.org/drawingml/2006/compatibility" xmlns:p14="http://schemas.microsoft.com/office/powerpoint/2010/main" type="tx">
+<p:sldLayout xmlns:a="http://schemas.openxmlformats.org/drawingml/2006/main" xmlns:r="http://schemas.openxmlformats.org/officeDocument/2006/relationships" xmlns:p="http://schemas.openxmlformats.org/presentationml/2006/main" type="tx">
   <p:cSld name="Title and body">
     <p:spTree>
       <p:nvGrpSpPr>
-        <p:cNvPr id="17" name="Shape 17"/>
+        <p:cNvPr id="1" name="Shape 17"/>
         <p:cNvGrpSpPr/>
         <p:nvPr/>
       </p:nvGrpSpPr>
@@ -2619,7 +2864,7 @@
           </a:ln>
         </p:spPr>
         <p:txBody>
-          <a:bodyPr anchorCtr="0" anchor="ctr" bIns="91425" lIns="91425" rIns="91425" tIns="91425">
+          <a:bodyPr lIns="91425" tIns="91425" rIns="91425" bIns="91425" anchor="ctr" anchorCtr="0">
             <a:noAutofit/>
           </a:bodyPr>
           <a:lstStyle/>
@@ -2630,9 +2875,6 @@
               </a:spcBef>
               <a:buNone/>
             </a:pPr>
-            <a:r>
-              <a:t/>
-            </a:r>
             <a:endParaRPr/>
           </a:p>
         </p:txBody>
@@ -2640,7 +2882,9 @@
       <p:sp>
         <p:nvSpPr>
           <p:cNvPr id="19" name="Shape 19"/>
-          <p:cNvSpPr txBox="1"/>
+          <p:cNvSpPr txBox="1">
+            <a:spLocks noGrp="1"/>
+          </p:cNvSpPr>
           <p:nvPr>
             <p:ph type="title"/>
           </p:nvPr>
@@ -2655,7 +2899,7 @@
           </a:prstGeom>
         </p:spPr>
         <p:txBody>
-          <a:bodyPr anchorCtr="0" anchor="t" bIns="91425" lIns="91425" rIns="91425" tIns="91425"/>
+          <a:bodyPr lIns="91425" tIns="91425" rIns="91425" bIns="91425" anchor="t" anchorCtr="0"/>
           <a:lstStyle>
             <a:lvl1pPr>
               <a:spcBef>
@@ -2712,15 +2956,19 @@
               <a:defRPr/>
             </a:lvl9pPr>
           </a:lstStyle>
-          <a:p/>
+          <a:p>
+            <a:endParaRPr/>
+          </a:p>
         </p:txBody>
       </p:sp>
       <p:sp>
         <p:nvSpPr>
           <p:cNvPr id="20" name="Shape 20"/>
-          <p:cNvSpPr txBox="1"/>
+          <p:cNvSpPr txBox="1">
+            <a:spLocks noGrp="1"/>
+          </p:cNvSpPr>
           <p:nvPr>
-            <p:ph idx="1" type="body"/>
+            <p:ph type="body" idx="1"/>
           </p:nvPr>
         </p:nvSpPr>
         <p:spPr>
@@ -2733,7 +2981,7 @@
           </a:prstGeom>
         </p:spPr>
         <p:txBody>
-          <a:bodyPr anchorCtr="0" anchor="t" bIns="91425" lIns="91425" rIns="91425" tIns="91425"/>
+          <a:bodyPr lIns="91425" tIns="91425" rIns="91425" bIns="91425" anchor="t" anchorCtr="0"/>
           <a:lstStyle>
             <a:lvl1pPr>
               <a:spcBef>
@@ -2790,15 +3038,19 @@
               <a:defRPr/>
             </a:lvl9pPr>
           </a:lstStyle>
-          <a:p/>
+          <a:p>
+            <a:endParaRPr/>
+          </a:p>
         </p:txBody>
       </p:sp>
       <p:sp>
         <p:nvSpPr>
           <p:cNvPr id="21" name="Shape 21"/>
-          <p:cNvSpPr txBox="1"/>
+          <p:cNvSpPr txBox="1">
+            <a:spLocks noGrp="1"/>
+          </p:cNvSpPr>
           <p:nvPr>
-            <p:ph idx="12" type="sldNum"/>
+            <p:ph type="sldNum" idx="12"/>
           </p:nvPr>
         </p:nvSpPr>
         <p:spPr>
@@ -2811,7 +3063,7 @@
           </a:prstGeom>
         </p:spPr>
         <p:txBody>
-          <a:bodyPr anchorCtr="0" anchor="ctr" bIns="91425" lIns="91425" rIns="91425" tIns="91425">
+          <a:bodyPr lIns="91425" tIns="91425" rIns="91425" bIns="91425" anchor="ctr" anchorCtr="0">
             <a:noAutofit/>
           </a:bodyPr>
           <a:lstStyle/>
@@ -2826,6 +3078,7 @@
               <a:rPr lang="en"/>
               <a:t>‹#›</a:t>
             </a:fld>
+            <a:endParaRPr lang="en"/>
           </a:p>
         </p:txBody>
       </p:sp>
@@ -2838,11 +3091,11 @@
 </file>
 
 <file path=ppt/slideLayouts/slideLayout4.xml><?xml version="1.0" encoding="utf-8"?>
-<p:sldLayout xmlns:a="http://schemas.openxmlformats.org/drawingml/2006/main" xmlns:r="http://schemas.openxmlformats.org/officeDocument/2006/relationships" xmlns:mc="http://schemas.openxmlformats.org/markup-compatibility/2006" xmlns:mv="urn:schemas-microsoft-com:mac:vml" xmlns:p="http://schemas.openxmlformats.org/presentationml/2006/main" xmlns:c="http://schemas.openxmlformats.org/drawingml/2006/chart" xmlns:dgm="http://schemas.openxmlformats.org/drawingml/2006/diagram" xmlns:o="urn:schemas-microsoft-com:office:office" xmlns:v="urn:schemas-microsoft-com:vml" xmlns:pvml="urn:schemas-microsoft-com:office:powerpoint" xmlns:com="http://schemas.openxmlformats.org/drawingml/2006/compatibility" xmlns:p14="http://schemas.microsoft.com/office/powerpoint/2010/main" type="twoColTx">
+<p:sldLayout xmlns:a="http://schemas.openxmlformats.org/drawingml/2006/main" xmlns:r="http://schemas.openxmlformats.org/officeDocument/2006/relationships" xmlns:p="http://schemas.openxmlformats.org/presentationml/2006/main" type="twoColTx">
   <p:cSld name="Title and two columns">
     <p:spTree>
       <p:nvGrpSpPr>
-        <p:cNvPr id="22" name="Shape 22"/>
+        <p:cNvPr id="1" name="Shape 22"/>
         <p:cNvGrpSpPr/>
         <p:nvPr/>
       </p:nvGrpSpPr>
@@ -2857,7 +3110,9 @@
       <p:sp>
         <p:nvSpPr>
           <p:cNvPr id="23" name="Shape 23"/>
-          <p:cNvSpPr txBox="1"/>
+          <p:cNvSpPr txBox="1">
+            <a:spLocks noGrp="1"/>
+          </p:cNvSpPr>
           <p:nvPr>
             <p:ph type="title"/>
           </p:nvPr>
@@ -2872,7 +3127,7 @@
           </a:prstGeom>
         </p:spPr>
         <p:txBody>
-          <a:bodyPr anchorCtr="0" anchor="t" bIns="91425" lIns="91425" rIns="91425" tIns="91425"/>
+          <a:bodyPr lIns="91425" tIns="91425" rIns="91425" bIns="91425" anchor="t" anchorCtr="0"/>
           <a:lstStyle>
             <a:lvl1pPr>
               <a:spcBef>
@@ -2929,15 +3184,19 @@
               <a:defRPr/>
             </a:lvl9pPr>
           </a:lstStyle>
-          <a:p/>
+          <a:p>
+            <a:endParaRPr/>
+          </a:p>
         </p:txBody>
       </p:sp>
       <p:sp>
         <p:nvSpPr>
           <p:cNvPr id="24" name="Shape 24"/>
-          <p:cNvSpPr txBox="1"/>
+          <p:cNvSpPr txBox="1">
+            <a:spLocks noGrp="1"/>
+          </p:cNvSpPr>
           <p:nvPr>
-            <p:ph idx="1" type="body"/>
+            <p:ph type="body" idx="1"/>
           </p:nvPr>
         </p:nvSpPr>
         <p:spPr>
@@ -2950,7 +3209,7 @@
           </a:prstGeom>
         </p:spPr>
         <p:txBody>
-          <a:bodyPr anchorCtr="0" anchor="t" bIns="91425" lIns="91425" rIns="91425" tIns="91425"/>
+          <a:bodyPr lIns="91425" tIns="91425" rIns="91425" bIns="91425" anchor="t" anchorCtr="0"/>
           <a:lstStyle>
             <a:lvl1pPr>
               <a:spcBef>
@@ -3016,15 +3275,19 @@
               <a:defRPr sz="1200"/>
             </a:lvl9pPr>
           </a:lstStyle>
-          <a:p/>
+          <a:p>
+            <a:endParaRPr/>
+          </a:p>
         </p:txBody>
       </p:sp>
       <p:sp>
         <p:nvSpPr>
           <p:cNvPr id="25" name="Shape 25"/>
-          <p:cNvSpPr txBox="1"/>
+          <p:cNvSpPr txBox="1">
+            <a:spLocks noGrp="1"/>
+          </p:cNvSpPr>
           <p:nvPr>
-            <p:ph idx="2" type="body"/>
+            <p:ph type="body" idx="2"/>
           </p:nvPr>
         </p:nvSpPr>
         <p:spPr>
@@ -3037,7 +3300,7 @@
           </a:prstGeom>
         </p:spPr>
         <p:txBody>
-          <a:bodyPr anchorCtr="0" anchor="t" bIns="91425" lIns="91425" rIns="91425" tIns="91425"/>
+          <a:bodyPr lIns="91425" tIns="91425" rIns="91425" bIns="91425" anchor="t" anchorCtr="0"/>
           <a:lstStyle>
             <a:lvl1pPr>
               <a:spcBef>
@@ -3103,15 +3366,19 @@
               <a:defRPr sz="1200"/>
             </a:lvl9pPr>
           </a:lstStyle>
-          <a:p/>
+          <a:p>
+            <a:endParaRPr/>
+          </a:p>
         </p:txBody>
       </p:sp>
       <p:sp>
         <p:nvSpPr>
           <p:cNvPr id="26" name="Shape 26"/>
-          <p:cNvSpPr txBox="1"/>
+          <p:cNvSpPr txBox="1">
+            <a:spLocks noGrp="1"/>
+          </p:cNvSpPr>
           <p:nvPr>
-            <p:ph idx="12" type="sldNum"/>
+            <p:ph type="sldNum" idx="12"/>
           </p:nvPr>
         </p:nvSpPr>
         <p:spPr>
@@ -3124,7 +3391,7 @@
           </a:prstGeom>
         </p:spPr>
         <p:txBody>
-          <a:bodyPr anchorCtr="0" anchor="ctr" bIns="91425" lIns="91425" rIns="91425" tIns="91425">
+          <a:bodyPr lIns="91425" tIns="91425" rIns="91425" bIns="91425" anchor="ctr" anchorCtr="0">
             <a:noAutofit/>
           </a:bodyPr>
           <a:lstStyle/>
@@ -3139,6 +3406,7 @@
               <a:rPr lang="en"/>
               <a:t>‹#›</a:t>
             </a:fld>
+            <a:endParaRPr lang="en"/>
           </a:p>
         </p:txBody>
       </p:sp>
@@ -3151,11 +3419,11 @@
 </file>
 
 <file path=ppt/slideLayouts/slideLayout5.xml><?xml version="1.0" encoding="utf-8"?>
-<p:sldLayout xmlns:a="http://schemas.openxmlformats.org/drawingml/2006/main" xmlns:r="http://schemas.openxmlformats.org/officeDocument/2006/relationships" xmlns:mc="http://schemas.openxmlformats.org/markup-compatibility/2006" xmlns:mv="urn:schemas-microsoft-com:mac:vml" xmlns:p="http://schemas.openxmlformats.org/presentationml/2006/main" xmlns:c="http://schemas.openxmlformats.org/drawingml/2006/chart" xmlns:dgm="http://schemas.openxmlformats.org/drawingml/2006/diagram" xmlns:o="urn:schemas-microsoft-com:office:office" xmlns:v="urn:schemas-microsoft-com:vml" xmlns:pvml="urn:schemas-microsoft-com:office:powerpoint" xmlns:com="http://schemas.openxmlformats.org/drawingml/2006/compatibility" xmlns:p14="http://schemas.microsoft.com/office/powerpoint/2010/main" type="titleOnly">
+<p:sldLayout xmlns:a="http://schemas.openxmlformats.org/drawingml/2006/main" xmlns:r="http://schemas.openxmlformats.org/officeDocument/2006/relationships" xmlns:p="http://schemas.openxmlformats.org/presentationml/2006/main" type="titleOnly">
   <p:cSld name="Title only">
     <p:spTree>
       <p:nvGrpSpPr>
-        <p:cNvPr id="27" name="Shape 27"/>
+        <p:cNvPr id="1" name="Shape 27"/>
         <p:cNvGrpSpPr/>
         <p:nvPr/>
       </p:nvGrpSpPr>
@@ -3170,7 +3438,9 @@
       <p:sp>
         <p:nvSpPr>
           <p:cNvPr id="28" name="Shape 28"/>
-          <p:cNvSpPr txBox="1"/>
+          <p:cNvSpPr txBox="1">
+            <a:spLocks noGrp="1"/>
+          </p:cNvSpPr>
           <p:nvPr>
             <p:ph type="title"/>
           </p:nvPr>
@@ -3185,7 +3455,7 @@
           </a:prstGeom>
         </p:spPr>
         <p:txBody>
-          <a:bodyPr anchorCtr="0" anchor="t" bIns="91425" lIns="91425" rIns="91425" tIns="91425"/>
+          <a:bodyPr lIns="91425" tIns="91425" rIns="91425" bIns="91425" anchor="t" anchorCtr="0"/>
           <a:lstStyle>
             <a:lvl1pPr>
               <a:spcBef>
@@ -3242,15 +3512,19 @@
               <a:defRPr/>
             </a:lvl9pPr>
           </a:lstStyle>
-          <a:p/>
+          <a:p>
+            <a:endParaRPr/>
+          </a:p>
         </p:txBody>
       </p:sp>
       <p:sp>
         <p:nvSpPr>
           <p:cNvPr id="29" name="Shape 29"/>
-          <p:cNvSpPr txBox="1"/>
+          <p:cNvSpPr txBox="1">
+            <a:spLocks noGrp="1"/>
+          </p:cNvSpPr>
           <p:nvPr>
-            <p:ph idx="12" type="sldNum"/>
+            <p:ph type="sldNum" idx="12"/>
           </p:nvPr>
         </p:nvSpPr>
         <p:spPr>
@@ -3263,7 +3537,7 @@
           </a:prstGeom>
         </p:spPr>
         <p:txBody>
-          <a:bodyPr anchorCtr="0" anchor="ctr" bIns="91425" lIns="91425" rIns="91425" tIns="91425">
+          <a:bodyPr lIns="91425" tIns="91425" rIns="91425" bIns="91425" anchor="ctr" anchorCtr="0">
             <a:noAutofit/>
           </a:bodyPr>
           <a:lstStyle/>
@@ -3278,6 +3552,7 @@
               <a:rPr lang="en"/>
               <a:t>‹#›</a:t>
             </a:fld>
+            <a:endParaRPr lang="en"/>
           </a:p>
         </p:txBody>
       </p:sp>
@@ -3290,11 +3565,11 @@
 </file>
 
 <file path=ppt/slideLayouts/slideLayout6.xml><?xml version="1.0" encoding="utf-8"?>
-<p:sldLayout xmlns:a="http://schemas.openxmlformats.org/drawingml/2006/main" xmlns:r="http://schemas.openxmlformats.org/officeDocument/2006/relationships" xmlns:mc="http://schemas.openxmlformats.org/markup-compatibility/2006" xmlns:mv="urn:schemas-microsoft-com:mac:vml" xmlns:p="http://schemas.openxmlformats.org/presentationml/2006/main" xmlns:c="http://schemas.openxmlformats.org/drawingml/2006/chart" xmlns:dgm="http://schemas.openxmlformats.org/drawingml/2006/diagram" xmlns:o="urn:schemas-microsoft-com:office:office" xmlns:v="urn:schemas-microsoft-com:vml" xmlns:pvml="urn:schemas-microsoft-com:office:powerpoint" xmlns:com="http://schemas.openxmlformats.org/drawingml/2006/compatibility" xmlns:p14="http://schemas.microsoft.com/office/powerpoint/2010/main">
+<p:sldLayout xmlns:a="http://schemas.openxmlformats.org/drawingml/2006/main" xmlns:r="http://schemas.openxmlformats.org/officeDocument/2006/relationships" xmlns:p="http://schemas.openxmlformats.org/presentationml/2006/main">
   <p:cSld name="One column text">
     <p:spTree>
       <p:nvGrpSpPr>
-        <p:cNvPr id="30" name="Shape 30"/>
+        <p:cNvPr id="1" name="Shape 30"/>
         <p:cNvGrpSpPr/>
         <p:nvPr/>
       </p:nvGrpSpPr>
@@ -3309,7 +3584,9 @@
       <p:sp>
         <p:nvSpPr>
           <p:cNvPr id="31" name="Shape 31"/>
-          <p:cNvSpPr txBox="1"/>
+          <p:cNvSpPr txBox="1">
+            <a:spLocks noGrp="1"/>
+          </p:cNvSpPr>
           <p:nvPr>
             <p:ph type="title"/>
           </p:nvPr>
@@ -3324,7 +3601,7 @@
           </a:prstGeom>
         </p:spPr>
         <p:txBody>
-          <a:bodyPr anchorCtr="0" anchor="b" bIns="91425" lIns="91425" rIns="91425" tIns="91425"/>
+          <a:bodyPr lIns="91425" tIns="91425" rIns="91425" bIns="91425" anchor="b" anchorCtr="0"/>
           <a:lstStyle>
             <a:lvl1pPr>
               <a:spcBef>
@@ -3390,15 +3667,19 @@
               <a:defRPr sz="2400"/>
             </a:lvl9pPr>
           </a:lstStyle>
-          <a:p/>
+          <a:p>
+            <a:endParaRPr/>
+          </a:p>
         </p:txBody>
       </p:sp>
       <p:sp>
         <p:nvSpPr>
           <p:cNvPr id="32" name="Shape 32"/>
-          <p:cNvSpPr txBox="1"/>
+          <p:cNvSpPr txBox="1">
+            <a:spLocks noGrp="1"/>
+          </p:cNvSpPr>
           <p:nvPr>
-            <p:ph idx="1" type="body"/>
+            <p:ph type="body" idx="1"/>
           </p:nvPr>
         </p:nvSpPr>
         <p:spPr>
@@ -3411,7 +3692,7 @@
           </a:prstGeom>
         </p:spPr>
         <p:txBody>
-          <a:bodyPr anchorCtr="0" anchor="t" bIns="91425" lIns="91425" rIns="91425" tIns="91425"/>
+          <a:bodyPr lIns="91425" tIns="91425" rIns="91425" bIns="91425" anchor="t" anchorCtr="0"/>
           <a:lstStyle>
             <a:lvl1pPr>
               <a:spcBef>
@@ -3477,15 +3758,19 @@
               <a:defRPr sz="1200"/>
             </a:lvl9pPr>
           </a:lstStyle>
-          <a:p/>
+          <a:p>
+            <a:endParaRPr/>
+          </a:p>
         </p:txBody>
       </p:sp>
       <p:sp>
         <p:nvSpPr>
           <p:cNvPr id="33" name="Shape 33"/>
-          <p:cNvSpPr txBox="1"/>
+          <p:cNvSpPr txBox="1">
+            <a:spLocks noGrp="1"/>
+          </p:cNvSpPr>
           <p:nvPr>
-            <p:ph idx="12" type="sldNum"/>
+            <p:ph type="sldNum" idx="12"/>
           </p:nvPr>
         </p:nvSpPr>
         <p:spPr>
@@ -3498,7 +3783,7 @@
           </a:prstGeom>
         </p:spPr>
         <p:txBody>
-          <a:bodyPr anchorCtr="0" anchor="ctr" bIns="91425" lIns="91425" rIns="91425" tIns="91425">
+          <a:bodyPr lIns="91425" tIns="91425" rIns="91425" bIns="91425" anchor="ctr" anchorCtr="0">
             <a:noAutofit/>
           </a:bodyPr>
           <a:lstStyle/>
@@ -3513,6 +3798,7 @@
               <a:rPr lang="en"/>
               <a:t>‹#›</a:t>
             </a:fld>
+            <a:endParaRPr lang="en"/>
           </a:p>
         </p:txBody>
       </p:sp>
@@ -3525,18 +3811,19 @@
 </file>
 
 <file path=ppt/slideLayouts/slideLayout7.xml><?xml version="1.0" encoding="utf-8"?>
-<p:sldLayout xmlns:a="http://schemas.openxmlformats.org/drawingml/2006/main" xmlns:r="http://schemas.openxmlformats.org/officeDocument/2006/relationships" xmlns:mc="http://schemas.openxmlformats.org/markup-compatibility/2006" xmlns:mv="urn:schemas-microsoft-com:mac:vml" xmlns:p="http://schemas.openxmlformats.org/presentationml/2006/main" xmlns:c="http://schemas.openxmlformats.org/drawingml/2006/chart" xmlns:dgm="http://schemas.openxmlformats.org/drawingml/2006/diagram" xmlns:o="urn:schemas-microsoft-com:office:office" xmlns:v="urn:schemas-microsoft-com:vml" xmlns:pvml="urn:schemas-microsoft-com:office:powerpoint" xmlns:com="http://schemas.openxmlformats.org/drawingml/2006/compatibility" xmlns:p14="http://schemas.microsoft.com/office/powerpoint/2010/main">
+<p:sldLayout xmlns:a="http://schemas.openxmlformats.org/drawingml/2006/main" xmlns:r="http://schemas.openxmlformats.org/officeDocument/2006/relationships" xmlns:p="http://schemas.openxmlformats.org/presentationml/2006/main">
   <p:cSld name="Main point">
     <p:bg>
       <p:bgPr>
         <a:solidFill>
           <a:schemeClr val="dk2"/>
         </a:solidFill>
+        <a:effectLst/>
       </p:bgPr>
     </p:bg>
     <p:spTree>
       <p:nvGrpSpPr>
-        <p:cNvPr id="34" name="Shape 34"/>
+        <p:cNvPr id="1" name="Shape 34"/>
         <p:cNvGrpSpPr/>
         <p:nvPr/>
       </p:nvGrpSpPr>
@@ -3551,7 +3838,9 @@
       <p:sp>
         <p:nvSpPr>
           <p:cNvPr id="35" name="Shape 35"/>
-          <p:cNvSpPr txBox="1"/>
+          <p:cNvSpPr txBox="1">
+            <a:spLocks noGrp="1"/>
+          </p:cNvSpPr>
           <p:nvPr>
             <p:ph type="title"/>
           </p:nvPr>
@@ -3566,7 +3855,7 @@
           </a:prstGeom>
         </p:spPr>
         <p:txBody>
-          <a:bodyPr anchorCtr="0" anchor="ctr" bIns="91425" lIns="91425" rIns="91425" tIns="91425"/>
+          <a:bodyPr lIns="91425" tIns="91425" rIns="91425" bIns="91425" anchor="ctr" anchorCtr="0"/>
           <a:lstStyle>
             <a:lvl1pPr>
               <a:spcBef>
@@ -3577,7 +3866,7 @@
               </a:buClr>
               <a:buSzPct val="100000"/>
               <a:buFont typeface="Lato"/>
-              <a:defRPr b="0" sz="4800">
+              <a:defRPr sz="4800" b="0">
                 <a:solidFill>
                   <a:schemeClr val="lt1"/>
                 </a:solidFill>
@@ -3596,7 +3885,7 @@
               </a:buClr>
               <a:buSzPct val="100000"/>
               <a:buFont typeface="Lato"/>
-              <a:defRPr b="0" sz="4800">
+              <a:defRPr sz="4800" b="0">
                 <a:solidFill>
                   <a:schemeClr val="lt1"/>
                 </a:solidFill>
@@ -3615,7 +3904,7 @@
               </a:buClr>
               <a:buSzPct val="100000"/>
               <a:buFont typeface="Lato"/>
-              <a:defRPr b="0" sz="4800">
+              <a:defRPr sz="4800" b="0">
                 <a:solidFill>
                   <a:schemeClr val="lt1"/>
                 </a:solidFill>
@@ -3634,7 +3923,7 @@
               </a:buClr>
               <a:buSzPct val="100000"/>
               <a:buFont typeface="Lato"/>
-              <a:defRPr b="0" sz="4800">
+              <a:defRPr sz="4800" b="0">
                 <a:solidFill>
                   <a:schemeClr val="lt1"/>
                 </a:solidFill>
@@ -3653,7 +3942,7 @@
               </a:buClr>
               <a:buSzPct val="100000"/>
               <a:buFont typeface="Lato"/>
-              <a:defRPr b="0" sz="4800">
+              <a:defRPr sz="4800" b="0">
                 <a:solidFill>
                   <a:schemeClr val="lt1"/>
                 </a:solidFill>
@@ -3672,7 +3961,7 @@
               </a:buClr>
               <a:buSzPct val="100000"/>
               <a:buFont typeface="Lato"/>
-              <a:defRPr b="0" sz="4800">
+              <a:defRPr sz="4800" b="0">
                 <a:solidFill>
                   <a:schemeClr val="lt1"/>
                 </a:solidFill>
@@ -3691,7 +3980,7 @@
               </a:buClr>
               <a:buSzPct val="100000"/>
               <a:buFont typeface="Lato"/>
-              <a:defRPr b="0" sz="4800">
+              <a:defRPr sz="4800" b="0">
                 <a:solidFill>
                   <a:schemeClr val="lt1"/>
                 </a:solidFill>
@@ -3710,7 +3999,7 @@
               </a:buClr>
               <a:buSzPct val="100000"/>
               <a:buFont typeface="Lato"/>
-              <a:defRPr b="0" sz="4800">
+              <a:defRPr sz="4800" b="0">
                 <a:solidFill>
                   <a:schemeClr val="lt1"/>
                 </a:solidFill>
@@ -3729,7 +4018,7 @@
               </a:buClr>
               <a:buSzPct val="100000"/>
               <a:buFont typeface="Lato"/>
-              <a:defRPr b="0" sz="4800">
+              <a:defRPr sz="4800" b="0">
                 <a:solidFill>
                   <a:schemeClr val="lt1"/>
                 </a:solidFill>
@@ -3740,15 +4029,19 @@
               </a:defRPr>
             </a:lvl9pPr>
           </a:lstStyle>
-          <a:p/>
+          <a:p>
+            <a:endParaRPr/>
+          </a:p>
         </p:txBody>
       </p:sp>
       <p:sp>
         <p:nvSpPr>
           <p:cNvPr id="36" name="Shape 36"/>
-          <p:cNvSpPr txBox="1"/>
+          <p:cNvSpPr txBox="1">
+            <a:spLocks noGrp="1"/>
+          </p:cNvSpPr>
           <p:nvPr>
-            <p:ph idx="12" type="sldNum"/>
+            <p:ph type="sldNum" idx="12"/>
           </p:nvPr>
         </p:nvSpPr>
         <p:spPr>
@@ -3761,7 +4054,7 @@
           </a:prstGeom>
         </p:spPr>
         <p:txBody>
-          <a:bodyPr anchorCtr="0" anchor="ctr" bIns="91425" lIns="91425" rIns="91425" tIns="91425">
+          <a:bodyPr lIns="91425" tIns="91425" rIns="91425" bIns="91425" anchor="ctr" anchorCtr="0">
             <a:noAutofit/>
           </a:bodyPr>
           <a:lstStyle/>
@@ -3780,6 +4073,11 @@
               </a:rPr>
               <a:t>‹#›</a:t>
             </a:fld>
+            <a:endParaRPr lang="en">
+              <a:solidFill>
+                <a:schemeClr val="lt1"/>
+              </a:solidFill>
+            </a:endParaRPr>
           </a:p>
         </p:txBody>
       </p:sp>
@@ -3792,11 +4090,11 @@
 </file>
 
 <file path=ppt/slideLayouts/slideLayout8.xml><?xml version="1.0" encoding="utf-8"?>
-<p:sldLayout xmlns:a="http://schemas.openxmlformats.org/drawingml/2006/main" xmlns:r="http://schemas.openxmlformats.org/officeDocument/2006/relationships" xmlns:mc="http://schemas.openxmlformats.org/markup-compatibility/2006" xmlns:mv="urn:schemas-microsoft-com:mac:vml" xmlns:p="http://schemas.openxmlformats.org/presentationml/2006/main" xmlns:c="http://schemas.openxmlformats.org/drawingml/2006/chart" xmlns:dgm="http://schemas.openxmlformats.org/drawingml/2006/diagram" xmlns:o="urn:schemas-microsoft-com:office:office" xmlns:v="urn:schemas-microsoft-com:vml" xmlns:pvml="urn:schemas-microsoft-com:office:powerpoint" xmlns:com="http://schemas.openxmlformats.org/drawingml/2006/compatibility" xmlns:p14="http://schemas.microsoft.com/office/powerpoint/2010/main">
+<p:sldLayout xmlns:a="http://schemas.openxmlformats.org/drawingml/2006/main" xmlns:r="http://schemas.openxmlformats.org/officeDocument/2006/relationships" xmlns:p="http://schemas.openxmlformats.org/presentationml/2006/main">
   <p:cSld name="Section title and description">
     <p:spTree>
       <p:nvGrpSpPr>
-        <p:cNvPr id="37" name="Shape 37"/>
+        <p:cNvPr id="1" name="Shape 37"/>
         <p:cNvGrpSpPr/>
         <p:nvPr/>
       </p:nvGrpSpPr>
@@ -3830,7 +4128,7 @@
           </a:ln>
         </p:spPr>
         <p:txBody>
-          <a:bodyPr anchorCtr="0" anchor="ctr" bIns="91425" lIns="91425" rIns="91425" tIns="91425">
+          <a:bodyPr lIns="91425" tIns="91425" rIns="91425" bIns="91425" anchor="ctr" anchorCtr="0">
             <a:noAutofit/>
           </a:bodyPr>
           <a:lstStyle/>
@@ -3841,9 +4139,6 @@
               </a:spcBef>
               <a:buNone/>
             </a:pPr>
-            <a:r>
-              <a:t/>
-            </a:r>
             <a:endParaRPr/>
           </a:p>
         </p:txBody>
@@ -3863,21 +4158,23 @@
             <a:avLst/>
           </a:prstGeom>
           <a:noFill/>
-          <a:ln cap="flat" cmpd="sng" w="19050">
+          <a:ln w="19050" cap="flat" cmpd="sng">
             <a:solidFill>
               <a:schemeClr val="lt1"/>
             </a:solidFill>
             <a:prstDash val="solid"/>
             <a:round/>
-            <a:headEnd len="med" w="med" type="none"/>
-            <a:tailEnd len="med" w="med" type="none"/>
+            <a:headEnd type="none" w="med" len="med"/>
+            <a:tailEnd type="none" w="med" len="med"/>
           </a:ln>
         </p:spPr>
       </p:cxnSp>
       <p:sp>
         <p:nvSpPr>
           <p:cNvPr id="40" name="Shape 40"/>
-          <p:cNvSpPr txBox="1"/>
+          <p:cNvSpPr txBox="1">
+            <a:spLocks noGrp="1"/>
+          </p:cNvSpPr>
           <p:nvPr>
             <p:ph type="title"/>
           </p:nvPr>
@@ -3892,7 +4189,7 @@
           </a:prstGeom>
         </p:spPr>
         <p:txBody>
-          <a:bodyPr anchorCtr="0" anchor="b" bIns="91425" lIns="91425" rIns="91425" tIns="91425"/>
+          <a:bodyPr lIns="91425" tIns="91425" rIns="91425" bIns="91425" anchor="b" anchorCtr="0"/>
           <a:lstStyle>
             <a:lvl1pPr algn="ctr">
               <a:spcBef>
@@ -3958,15 +4255,19 @@
               <a:defRPr sz="4200"/>
             </a:lvl9pPr>
           </a:lstStyle>
-          <a:p/>
+          <a:p>
+            <a:endParaRPr/>
+          </a:p>
         </p:txBody>
       </p:sp>
       <p:sp>
         <p:nvSpPr>
           <p:cNvPr id="41" name="Shape 41"/>
-          <p:cNvSpPr txBox="1"/>
+          <p:cNvSpPr txBox="1">
+            <a:spLocks noGrp="1"/>
+          </p:cNvSpPr>
           <p:nvPr>
-            <p:ph idx="1" type="subTitle"/>
+            <p:ph type="subTitle" idx="1"/>
           </p:nvPr>
         </p:nvSpPr>
         <p:spPr>
@@ -3979,7 +4280,7 @@
           </a:prstGeom>
         </p:spPr>
         <p:txBody>
-          <a:bodyPr anchorCtr="0" anchor="t" bIns="91425" lIns="91425" rIns="91425" tIns="91425"/>
+          <a:bodyPr lIns="91425" tIns="91425" rIns="91425" bIns="91425" anchor="t" anchorCtr="0"/>
           <a:lstStyle>
             <a:lvl1pPr algn="ctr">
               <a:lnSpc>
@@ -4108,15 +4409,19 @@
               <a:defRPr sz="2100"/>
             </a:lvl9pPr>
           </a:lstStyle>
-          <a:p/>
+          <a:p>
+            <a:endParaRPr/>
+          </a:p>
         </p:txBody>
       </p:sp>
       <p:sp>
         <p:nvSpPr>
           <p:cNvPr id="42" name="Shape 42"/>
-          <p:cNvSpPr txBox="1"/>
+          <p:cNvSpPr txBox="1">
+            <a:spLocks noGrp="1"/>
+          </p:cNvSpPr>
           <p:nvPr>
-            <p:ph idx="2" type="body"/>
+            <p:ph type="body" idx="2"/>
           </p:nvPr>
         </p:nvSpPr>
         <p:spPr>
@@ -4129,7 +4434,7 @@
           </a:prstGeom>
         </p:spPr>
         <p:txBody>
-          <a:bodyPr anchorCtr="0" anchor="ctr" bIns="91425" lIns="91425" rIns="91425" tIns="91425"/>
+          <a:bodyPr lIns="91425" tIns="91425" rIns="91425" bIns="91425" anchor="ctr" anchorCtr="0"/>
           <a:lstStyle>
             <a:lvl1pPr>
               <a:spcBef>
@@ -4249,15 +4554,19 @@
               </a:defRPr>
             </a:lvl9pPr>
           </a:lstStyle>
-          <a:p/>
+          <a:p>
+            <a:endParaRPr/>
+          </a:p>
         </p:txBody>
       </p:sp>
       <p:sp>
         <p:nvSpPr>
           <p:cNvPr id="43" name="Shape 43"/>
-          <p:cNvSpPr txBox="1"/>
+          <p:cNvSpPr txBox="1">
+            <a:spLocks noGrp="1"/>
+          </p:cNvSpPr>
           <p:nvPr>
-            <p:ph idx="12" type="sldNum"/>
+            <p:ph type="sldNum" idx="12"/>
           </p:nvPr>
         </p:nvSpPr>
         <p:spPr>
@@ -4270,7 +4579,7 @@
           </a:prstGeom>
         </p:spPr>
         <p:txBody>
-          <a:bodyPr anchorCtr="0" anchor="ctr" bIns="91425" lIns="91425" rIns="91425" tIns="91425">
+          <a:bodyPr lIns="91425" tIns="91425" rIns="91425" bIns="91425" anchor="ctr" anchorCtr="0">
             <a:noAutofit/>
           </a:bodyPr>
           <a:lstStyle/>
@@ -4289,6 +4598,11 @@
               </a:rPr>
               <a:t>‹#›</a:t>
             </a:fld>
+            <a:endParaRPr lang="en">
+              <a:solidFill>
+                <a:schemeClr val="lt1"/>
+              </a:solidFill>
+            </a:endParaRPr>
           </a:p>
         </p:txBody>
       </p:sp>
@@ -4301,11 +4615,11 @@
 </file>
 
 <file path=ppt/slideLayouts/slideLayout9.xml><?xml version="1.0" encoding="utf-8"?>
-<p:sldLayout xmlns:a="http://schemas.openxmlformats.org/drawingml/2006/main" xmlns:r="http://schemas.openxmlformats.org/officeDocument/2006/relationships" xmlns:mc="http://schemas.openxmlformats.org/markup-compatibility/2006" xmlns:mv="urn:schemas-microsoft-com:mac:vml" xmlns:p="http://schemas.openxmlformats.org/presentationml/2006/main" xmlns:c="http://schemas.openxmlformats.org/drawingml/2006/chart" xmlns:dgm="http://schemas.openxmlformats.org/drawingml/2006/diagram" xmlns:o="urn:schemas-microsoft-com:office:office" xmlns:v="urn:schemas-microsoft-com:vml" xmlns:pvml="urn:schemas-microsoft-com:office:powerpoint" xmlns:com="http://schemas.openxmlformats.org/drawingml/2006/compatibility" xmlns:p14="http://schemas.microsoft.com/office/powerpoint/2010/main">
+<p:sldLayout xmlns:a="http://schemas.openxmlformats.org/drawingml/2006/main" xmlns:r="http://schemas.openxmlformats.org/officeDocument/2006/relationships" xmlns:p="http://schemas.openxmlformats.org/presentationml/2006/main">
   <p:cSld name="Caption">
     <p:spTree>
       <p:nvGrpSpPr>
-        <p:cNvPr id="44" name="Shape 44"/>
+        <p:cNvPr id="1" name="Shape 44"/>
         <p:cNvGrpSpPr/>
         <p:nvPr/>
       </p:nvGrpSpPr>
@@ -4320,9 +4634,11 @@
       <p:sp>
         <p:nvSpPr>
           <p:cNvPr id="45" name="Shape 45"/>
-          <p:cNvSpPr txBox="1"/>
+          <p:cNvSpPr txBox="1">
+            <a:spLocks noGrp="1"/>
+          </p:cNvSpPr>
           <p:nvPr>
-            <p:ph idx="1" type="body"/>
+            <p:ph type="body" idx="1"/>
           </p:nvPr>
         </p:nvSpPr>
         <p:spPr>
@@ -4335,7 +4651,7 @@
           </a:prstGeom>
         </p:spPr>
         <p:txBody>
-          <a:bodyPr anchorCtr="0" anchor="ctr" bIns="91425" lIns="91425" rIns="91425" tIns="91425"/>
+          <a:bodyPr lIns="91425" tIns="91425" rIns="91425" bIns="91425" anchor="ctr" anchorCtr="0"/>
           <a:lstStyle>
             <a:lvl1pPr>
               <a:lnSpc>
@@ -4351,15 +4667,19 @@
               <a:defRPr/>
             </a:lvl1pPr>
           </a:lstStyle>
-          <a:p/>
+          <a:p>
+            <a:endParaRPr/>
+          </a:p>
         </p:txBody>
       </p:sp>
       <p:sp>
         <p:nvSpPr>
           <p:cNvPr id="46" name="Shape 46"/>
-          <p:cNvSpPr txBox="1"/>
+          <p:cNvSpPr txBox="1">
+            <a:spLocks noGrp="1"/>
+          </p:cNvSpPr>
           <p:nvPr>
-            <p:ph idx="12" type="sldNum"/>
+            <p:ph type="sldNum" idx="12"/>
           </p:nvPr>
         </p:nvSpPr>
         <p:spPr>
@@ -4372,7 +4692,7 @@
           </a:prstGeom>
         </p:spPr>
         <p:txBody>
-          <a:bodyPr anchorCtr="0" anchor="ctr" bIns="91425" lIns="91425" rIns="91425" tIns="91425">
+          <a:bodyPr lIns="91425" tIns="91425" rIns="91425" bIns="91425" anchor="ctr" anchorCtr="0">
             <a:noAutofit/>
           </a:bodyPr>
           <a:lstStyle/>
@@ -4387,6 +4707,7 @@
               <a:rPr lang="en"/>
               <a:t>‹#›</a:t>
             </a:fld>
+            <a:endParaRPr lang="en"/>
           </a:p>
         </p:txBody>
       </p:sp>
@@ -4399,18 +4720,19 @@
 </file>
 
 <file path=ppt/slideMasters/slideMaster1.xml><?xml version="1.0" encoding="utf-8"?>
-<p:sldMaster xmlns:a="http://schemas.openxmlformats.org/drawingml/2006/main" xmlns:r="http://schemas.openxmlformats.org/officeDocument/2006/relationships" xmlns:mc="http://schemas.openxmlformats.org/markup-compatibility/2006" xmlns:mv="urn:schemas-microsoft-com:mac:vml" xmlns:p="http://schemas.openxmlformats.org/presentationml/2006/main" xmlns:c="http://schemas.openxmlformats.org/drawingml/2006/chart" xmlns:dgm="http://schemas.openxmlformats.org/drawingml/2006/diagram" xmlns:o="urn:schemas-microsoft-com:office:office" xmlns:v="urn:schemas-microsoft-com:vml" xmlns:pvml="urn:schemas-microsoft-com:office:powerpoint" xmlns:com="http://schemas.openxmlformats.org/drawingml/2006/compatibility" xmlns:p14="http://schemas.microsoft.com/office/powerpoint/2010/main">
+<p:sldMaster xmlns:a="http://schemas.openxmlformats.org/drawingml/2006/main" xmlns:r="http://schemas.openxmlformats.org/officeDocument/2006/relationships" xmlns:p="http://schemas.openxmlformats.org/presentationml/2006/main">
   <p:cSld>
     <p:bg>
       <p:bgPr>
         <a:solidFill>
           <a:schemeClr val="lt1"/>
         </a:solidFill>
+        <a:effectLst/>
       </p:bgPr>
     </p:bg>
     <p:spTree>
       <p:nvGrpSpPr>
-        <p:cNvPr id="4" name="Shape 4"/>
+        <p:cNvPr id="1" name="Shape 4"/>
         <p:cNvGrpSpPr/>
         <p:nvPr/>
       </p:nvGrpSpPr>
@@ -4425,7 +4747,9 @@
       <p:sp>
         <p:nvSpPr>
           <p:cNvPr id="5" name="Shape 5"/>
-          <p:cNvSpPr txBox="1"/>
+          <p:cNvSpPr txBox="1">
+            <a:spLocks noGrp="1"/>
+          </p:cNvSpPr>
           <p:nvPr>
             <p:ph type="title"/>
           </p:nvPr>
@@ -4444,7 +4768,7 @@
           </a:ln>
         </p:spPr>
         <p:txBody>
-          <a:bodyPr anchorCtr="0" anchor="t" bIns="91425" lIns="91425" rIns="91425" tIns="91425"/>
+          <a:bodyPr lIns="91425" tIns="91425" rIns="91425" bIns="91425" anchor="t" anchorCtr="0"/>
           <a:lstStyle>
             <a:lvl1pPr>
               <a:spcBef>
@@ -4456,7 +4780,7 @@
               <a:buSzPct val="100000"/>
               <a:buFont typeface="Playfair Display"/>
               <a:buNone/>
-              <a:defRPr b="1" sz="3200">
+              <a:defRPr sz="3200" b="1">
                 <a:solidFill>
                   <a:schemeClr val="dk1"/>
                 </a:solidFill>
@@ -4476,7 +4800,7 @@
               <a:buSzPct val="100000"/>
               <a:buFont typeface="Playfair Display"/>
               <a:buNone/>
-              <a:defRPr b="1" sz="3200">
+              <a:defRPr sz="3200" b="1">
                 <a:solidFill>
                   <a:schemeClr val="dk1"/>
                 </a:solidFill>
@@ -4496,7 +4820,7 @@
               <a:buSzPct val="100000"/>
               <a:buFont typeface="Playfair Display"/>
               <a:buNone/>
-              <a:defRPr b="1" sz="3200">
+              <a:defRPr sz="3200" b="1">
                 <a:solidFill>
                   <a:schemeClr val="dk1"/>
                 </a:solidFill>
@@ -4516,7 +4840,7 @@
               <a:buSzPct val="100000"/>
               <a:buFont typeface="Playfair Display"/>
               <a:buNone/>
-              <a:defRPr b="1" sz="3200">
+              <a:defRPr sz="3200" b="1">
                 <a:solidFill>
                   <a:schemeClr val="dk1"/>
                 </a:solidFill>
@@ -4536,7 +4860,7 @@
               <a:buSzPct val="100000"/>
               <a:buFont typeface="Playfair Display"/>
               <a:buNone/>
-              <a:defRPr b="1" sz="3200">
+              <a:defRPr sz="3200" b="1">
                 <a:solidFill>
                   <a:schemeClr val="dk1"/>
                 </a:solidFill>
@@ -4556,7 +4880,7 @@
               <a:buSzPct val="100000"/>
               <a:buFont typeface="Playfair Display"/>
               <a:buNone/>
-              <a:defRPr b="1" sz="3200">
+              <a:defRPr sz="3200" b="1">
                 <a:solidFill>
                   <a:schemeClr val="dk1"/>
                 </a:solidFill>
@@ -4576,7 +4900,7 @@
               <a:buSzPct val="100000"/>
               <a:buFont typeface="Playfair Display"/>
               <a:buNone/>
-              <a:defRPr b="1" sz="3200">
+              <a:defRPr sz="3200" b="1">
                 <a:solidFill>
                   <a:schemeClr val="dk1"/>
                 </a:solidFill>
@@ -4596,7 +4920,7 @@
               <a:buSzPct val="100000"/>
               <a:buFont typeface="Playfair Display"/>
               <a:buNone/>
-              <a:defRPr b="1" sz="3200">
+              <a:defRPr sz="3200" b="1">
                 <a:solidFill>
                   <a:schemeClr val="dk1"/>
                 </a:solidFill>
@@ -4616,7 +4940,7 @@
               <a:buSzPct val="100000"/>
               <a:buFont typeface="Playfair Display"/>
               <a:buNone/>
-              <a:defRPr b="1" sz="3200">
+              <a:defRPr sz="3200" b="1">
                 <a:solidFill>
                   <a:schemeClr val="dk1"/>
                 </a:solidFill>
@@ -4627,15 +4951,19 @@
               </a:defRPr>
             </a:lvl9pPr>
           </a:lstStyle>
-          <a:p/>
+          <a:p>
+            <a:endParaRPr/>
+          </a:p>
         </p:txBody>
       </p:sp>
       <p:sp>
         <p:nvSpPr>
           <p:cNvPr id="6" name="Shape 6"/>
-          <p:cNvSpPr txBox="1"/>
+          <p:cNvSpPr txBox="1">
+            <a:spLocks noGrp="1"/>
+          </p:cNvSpPr>
           <p:nvPr>
-            <p:ph idx="1" type="body"/>
+            <p:ph type="body" idx="1"/>
           </p:nvPr>
         </p:nvSpPr>
         <p:spPr>
@@ -4652,7 +4980,7 @@
           </a:ln>
         </p:spPr>
         <p:txBody>
-          <a:bodyPr anchorCtr="0" anchor="t" bIns="91425" lIns="91425" rIns="91425" tIns="91425"/>
+          <a:bodyPr lIns="91425" tIns="91425" rIns="91425" bIns="91425" anchor="t" anchorCtr="0"/>
           <a:lstStyle>
             <a:lvl1pPr>
               <a:lnSpc>
@@ -4872,15 +5200,19 @@
               </a:defRPr>
             </a:lvl9pPr>
           </a:lstStyle>
-          <a:p/>
+          <a:p>
+            <a:endParaRPr/>
+          </a:p>
         </p:txBody>
       </p:sp>
       <p:sp>
         <p:nvSpPr>
           <p:cNvPr id="7" name="Shape 7"/>
-          <p:cNvSpPr txBox="1"/>
+          <p:cNvSpPr txBox="1">
+            <a:spLocks noGrp="1"/>
+          </p:cNvSpPr>
           <p:nvPr>
-            <p:ph idx="12" type="sldNum"/>
+            <p:ph type="sldNum" idx="12"/>
           </p:nvPr>
         </p:nvSpPr>
         <p:spPr>
@@ -4897,7 +5229,7 @@
           </a:ln>
         </p:spPr>
         <p:txBody>
-          <a:bodyPr anchorCtr="0" anchor="ctr" bIns="91425" lIns="91425" rIns="91425" tIns="91425">
+          <a:bodyPr lIns="91425" tIns="91425" rIns="91425" bIns="91425" anchor="ctr" anchorCtr="0">
             <a:noAutofit/>
           </a:bodyPr>
           <a:lstStyle/>
@@ -4920,12 +5252,21 @@
               </a:rPr>
               <a:t>‹#›</a:t>
             </a:fld>
+            <a:endParaRPr lang="en" sz="1000">
+              <a:solidFill>
+                <a:schemeClr val="dk2"/>
+              </a:solidFill>
+              <a:latin typeface="Lato"/>
+              <a:ea typeface="Lato"/>
+              <a:cs typeface="Lato"/>
+              <a:sym typeface="Lato"/>
+            </a:endParaRPr>
           </a:p>
         </p:txBody>
       </p:sp>
     </p:spTree>
   </p:cSld>
-  <p:clrMap accent1="accent1" accent2="accent2" accent3="accent3" accent4="accent4" accent5="accent5" accent6="accent6" bg1="lt1" bg2="dk2" tx1="dk1" tx2="lt2" folHlink="folHlink" hlink="hlink"/>
+  <p:clrMap bg1="lt1" tx1="dk1" bg2="dk2" tx2="lt2" accent1="accent1" accent2="accent2" accent3="accent3" accent4="accent4" accent5="accent5" accent6="accent6" hlink="hlink" folHlink="folHlink"/>
   <p:sldLayoutIdLst>
     <p:sldLayoutId id="2147483648" r:id="rId1"/>
     <p:sldLayoutId id="2147483649" r:id="rId2"/>
@@ -4939,10 +5280,10 @@
     <p:sldLayoutId id="2147483657" r:id="rId10"/>
     <p:sldLayoutId id="2147483658" r:id="rId11"/>
   </p:sldLayoutIdLst>
-  <p:hf dt="0" ftr="0" hdr="0" sldNum="0"/>
+  <p:hf sldNum="0" hdr="0" ftr="0" dt="0"/>
   <p:txStyles>
     <p:titleStyle>
-      <a:defPPr marR="0" rtl="0" algn="l">
+      <a:defPPr marR="0" algn="l" rtl="0">
         <a:lnSpc>
           <a:spcPct val="100000"/>
         </a:lnSpc>
@@ -4953,7 +5294,7 @@
           <a:spcPts val="0"/>
         </a:spcAft>
       </a:defPPr>
-      <a:lvl1pPr marR="0" rtl="0" algn="l">
+      <a:lvl1pPr marR="0" algn="l" rtl="0">
         <a:lnSpc>
           <a:spcPct val="100000"/>
         </a:lnSpc>
@@ -4964,7 +5305,7 @@
           <a:spcPts val="0"/>
         </a:spcAft>
         <a:buNone/>
-        <a:defRPr b="0" baseline="0" i="0" sz="1400" u="none" cap="none" strike="noStrike">
+        <a:defRPr sz="1400" b="0" i="0" u="none" strike="noStrike" cap="none" baseline="0">
           <a:solidFill>
             <a:srgbClr val="000000"/>
           </a:solidFill>
@@ -4977,7 +5318,7 @@
       </a:lvl1pPr>
     </p:titleStyle>
     <p:bodyStyle>
-      <a:defPPr marR="0" rtl="0" algn="l">
+      <a:defPPr marR="0" algn="l" rtl="0">
         <a:lnSpc>
           <a:spcPct val="100000"/>
         </a:lnSpc>
@@ -4988,7 +5329,7 @@
           <a:spcPts val="0"/>
         </a:spcAft>
       </a:defPPr>
-      <a:lvl1pPr marR="0" rtl="0" algn="l">
+      <a:lvl1pPr marR="0" algn="l" rtl="0">
         <a:lnSpc>
           <a:spcPct val="100000"/>
         </a:lnSpc>
@@ -4999,7 +5340,7 @@
           <a:spcPts val="0"/>
         </a:spcAft>
         <a:buNone/>
-        <a:defRPr b="0" baseline="0" i="0" sz="1400" u="none" cap="none" strike="noStrike">
+        <a:defRPr sz="1400" b="0" i="0" u="none" strike="noStrike" cap="none" baseline="0">
           <a:solidFill>
             <a:srgbClr val="000000"/>
           </a:solidFill>
@@ -5010,7 +5351,7 @@
           <a:rtl val="0"/>
         </a:defRPr>
       </a:lvl1pPr>
-      <a:lvl2pPr marR="0" rtl="0" algn="l">
+      <a:lvl2pPr marR="0" algn="l" rtl="0">
         <a:lnSpc>
           <a:spcPct val="100000"/>
         </a:lnSpc>
@@ -5021,7 +5362,7 @@
           <a:spcPts val="0"/>
         </a:spcAft>
         <a:buNone/>
-        <a:defRPr b="0" baseline="0" i="0" sz="1400" u="none" cap="none" strike="noStrike">
+        <a:defRPr sz="1400" b="0" i="0" u="none" strike="noStrike" cap="none" baseline="0">
           <a:solidFill>
             <a:srgbClr val="000000"/>
           </a:solidFill>
@@ -5032,7 +5373,7 @@
           <a:rtl val="0"/>
         </a:defRPr>
       </a:lvl2pPr>
-      <a:lvl3pPr marR="0" rtl="0" algn="l">
+      <a:lvl3pPr marR="0" algn="l" rtl="0">
         <a:lnSpc>
           <a:spcPct val="100000"/>
         </a:lnSpc>
@@ -5043,7 +5384,7 @@
           <a:spcPts val="0"/>
         </a:spcAft>
         <a:buNone/>
-        <a:defRPr b="0" baseline="0" i="0" sz="1400" u="none" cap="none" strike="noStrike">
+        <a:defRPr sz="1400" b="0" i="0" u="none" strike="noStrike" cap="none" baseline="0">
           <a:solidFill>
             <a:srgbClr val="000000"/>
           </a:solidFill>
@@ -5054,7 +5395,7 @@
           <a:rtl val="0"/>
         </a:defRPr>
       </a:lvl3pPr>
-      <a:lvl4pPr marR="0" rtl="0" algn="l">
+      <a:lvl4pPr marR="0" algn="l" rtl="0">
         <a:lnSpc>
           <a:spcPct val="100000"/>
         </a:lnSpc>
@@ -5065,7 +5406,7 @@
           <a:spcPts val="0"/>
         </a:spcAft>
         <a:buNone/>
-        <a:defRPr b="0" baseline="0" i="0" sz="1400" u="none" cap="none" strike="noStrike">
+        <a:defRPr sz="1400" b="0" i="0" u="none" strike="noStrike" cap="none" baseline="0">
           <a:solidFill>
             <a:srgbClr val="000000"/>
           </a:solidFill>
@@ -5076,7 +5417,7 @@
           <a:rtl val="0"/>
         </a:defRPr>
       </a:lvl4pPr>
-      <a:lvl5pPr marR="0" rtl="0" algn="l">
+      <a:lvl5pPr marR="0" algn="l" rtl="0">
         <a:lnSpc>
           <a:spcPct val="100000"/>
         </a:lnSpc>
@@ -5087,7 +5428,7 @@
           <a:spcPts val="0"/>
         </a:spcAft>
         <a:buNone/>
-        <a:defRPr b="0" baseline="0" i="0" sz="1400" u="none" cap="none" strike="noStrike">
+        <a:defRPr sz="1400" b="0" i="0" u="none" strike="noStrike" cap="none" baseline="0">
           <a:solidFill>
             <a:srgbClr val="000000"/>
           </a:solidFill>
@@ -5098,7 +5439,7 @@
           <a:rtl val="0"/>
         </a:defRPr>
       </a:lvl5pPr>
-      <a:lvl6pPr marR="0" rtl="0" algn="l">
+      <a:lvl6pPr marR="0" algn="l" rtl="0">
         <a:lnSpc>
           <a:spcPct val="100000"/>
         </a:lnSpc>
@@ -5109,7 +5450,7 @@
           <a:spcPts val="0"/>
         </a:spcAft>
         <a:buNone/>
-        <a:defRPr b="0" baseline="0" i="0" sz="1400" u="none" cap="none" strike="noStrike">
+        <a:defRPr sz="1400" b="0" i="0" u="none" strike="noStrike" cap="none" baseline="0">
           <a:solidFill>
             <a:srgbClr val="000000"/>
           </a:solidFill>
@@ -5120,7 +5461,7 @@
           <a:rtl val="0"/>
         </a:defRPr>
       </a:lvl6pPr>
-      <a:lvl7pPr marR="0" rtl="0" algn="l">
+      <a:lvl7pPr marR="0" algn="l" rtl="0">
         <a:lnSpc>
           <a:spcPct val="100000"/>
         </a:lnSpc>
@@ -5131,7 +5472,7 @@
           <a:spcPts val="0"/>
         </a:spcAft>
         <a:buNone/>
-        <a:defRPr b="0" baseline="0" i="0" sz="1400" u="none" cap="none" strike="noStrike">
+        <a:defRPr sz="1400" b="0" i="0" u="none" strike="noStrike" cap="none" baseline="0">
           <a:solidFill>
             <a:srgbClr val="000000"/>
           </a:solidFill>
@@ -5142,7 +5483,7 @@
           <a:rtl val="0"/>
         </a:defRPr>
       </a:lvl7pPr>
-      <a:lvl8pPr marR="0" rtl="0" algn="l">
+      <a:lvl8pPr marR="0" algn="l" rtl="0">
         <a:lnSpc>
           <a:spcPct val="100000"/>
         </a:lnSpc>
@@ -5153,7 +5494,7 @@
           <a:spcPts val="0"/>
         </a:spcAft>
         <a:buNone/>
-        <a:defRPr b="0" baseline="0" i="0" sz="1400" u="none" cap="none" strike="noStrike">
+        <a:defRPr sz="1400" b="0" i="0" u="none" strike="noStrike" cap="none" baseline="0">
           <a:solidFill>
             <a:srgbClr val="000000"/>
           </a:solidFill>
@@ -5164,7 +5505,7 @@
           <a:rtl val="0"/>
         </a:defRPr>
       </a:lvl8pPr>
-      <a:lvl9pPr marR="0" rtl="0" algn="l">
+      <a:lvl9pPr marR="0" algn="l" rtl="0">
         <a:lnSpc>
           <a:spcPct val="100000"/>
         </a:lnSpc>
@@ -5175,7 +5516,7 @@
           <a:spcPts val="0"/>
         </a:spcAft>
         <a:buNone/>
-        <a:defRPr b="0" baseline="0" i="0" sz="1400" u="none" cap="none" strike="noStrike">
+        <a:defRPr sz="1400" b="0" i="0" u="none" strike="noStrike" cap="none" baseline="0">
           <a:solidFill>
             <a:srgbClr val="000000"/>
           </a:solidFill>
@@ -5188,7 +5529,7 @@
       </a:lvl9pPr>
     </p:bodyStyle>
     <p:otherStyle>
-      <a:defPPr marR="0" rtl="0" algn="l">
+      <a:defPPr marR="0" algn="l" rtl="0">
         <a:lnSpc>
           <a:spcPct val="100000"/>
         </a:lnSpc>
@@ -5199,7 +5540,7 @@
           <a:spcPts val="0"/>
         </a:spcAft>
       </a:defPPr>
-      <a:lvl1pPr marR="0" rtl="0" algn="l">
+      <a:lvl1pPr marR="0" algn="l" rtl="0">
         <a:lnSpc>
           <a:spcPct val="100000"/>
         </a:lnSpc>
@@ -5210,7 +5551,7 @@
           <a:spcPts val="0"/>
         </a:spcAft>
         <a:buNone/>
-        <a:defRPr b="0" baseline="0" i="0" sz="1400" u="none" cap="none" strike="noStrike">
+        <a:defRPr sz="1400" b="0" i="0" u="none" strike="noStrike" cap="none" baseline="0">
           <a:solidFill>
             <a:srgbClr val="000000"/>
           </a:solidFill>
@@ -5221,7 +5562,7 @@
           <a:rtl val="0"/>
         </a:defRPr>
       </a:lvl1pPr>
-      <a:lvl2pPr marR="0" rtl="0" algn="l">
+      <a:lvl2pPr marR="0" algn="l" rtl="0">
         <a:lnSpc>
           <a:spcPct val="100000"/>
         </a:lnSpc>
@@ -5232,7 +5573,7 @@
           <a:spcPts val="0"/>
         </a:spcAft>
         <a:buNone/>
-        <a:defRPr b="0" baseline="0" i="0" sz="1400" u="none" cap="none" strike="noStrike">
+        <a:defRPr sz="1400" b="0" i="0" u="none" strike="noStrike" cap="none" baseline="0">
           <a:solidFill>
             <a:srgbClr val="000000"/>
           </a:solidFill>
@@ -5243,7 +5584,7 @@
           <a:rtl val="0"/>
         </a:defRPr>
       </a:lvl2pPr>
-      <a:lvl3pPr marR="0" rtl="0" algn="l">
+      <a:lvl3pPr marR="0" algn="l" rtl="0">
         <a:lnSpc>
           <a:spcPct val="100000"/>
         </a:lnSpc>
@@ -5254,7 +5595,7 @@
           <a:spcPts val="0"/>
         </a:spcAft>
         <a:buNone/>
-        <a:defRPr b="0" baseline="0" i="0" sz="1400" u="none" cap="none" strike="noStrike">
+        <a:defRPr sz="1400" b="0" i="0" u="none" strike="noStrike" cap="none" baseline="0">
           <a:solidFill>
             <a:srgbClr val="000000"/>
           </a:solidFill>
@@ -5265,7 +5606,7 @@
           <a:rtl val="0"/>
         </a:defRPr>
       </a:lvl3pPr>
-      <a:lvl4pPr marR="0" rtl="0" algn="l">
+      <a:lvl4pPr marR="0" algn="l" rtl="0">
         <a:lnSpc>
           <a:spcPct val="100000"/>
         </a:lnSpc>
@@ -5276,7 +5617,7 @@
           <a:spcPts val="0"/>
         </a:spcAft>
         <a:buNone/>
-        <a:defRPr b="0" baseline="0" i="0" sz="1400" u="none" cap="none" strike="noStrike">
+        <a:defRPr sz="1400" b="0" i="0" u="none" strike="noStrike" cap="none" baseline="0">
           <a:solidFill>
             <a:srgbClr val="000000"/>
           </a:solidFill>
@@ -5287,7 +5628,7 @@
           <a:rtl val="0"/>
         </a:defRPr>
       </a:lvl4pPr>
-      <a:lvl5pPr marR="0" rtl="0" algn="l">
+      <a:lvl5pPr marR="0" algn="l" rtl="0">
         <a:lnSpc>
           <a:spcPct val="100000"/>
         </a:lnSpc>
@@ -5298,7 +5639,7 @@
           <a:spcPts val="0"/>
         </a:spcAft>
         <a:buNone/>
-        <a:defRPr b="0" baseline="0" i="0" sz="1400" u="none" cap="none" strike="noStrike">
+        <a:defRPr sz="1400" b="0" i="0" u="none" strike="noStrike" cap="none" baseline="0">
           <a:solidFill>
             <a:srgbClr val="000000"/>
           </a:solidFill>
@@ -5309,7 +5650,7 @@
           <a:rtl val="0"/>
         </a:defRPr>
       </a:lvl5pPr>
-      <a:lvl6pPr marR="0" rtl="0" algn="l">
+      <a:lvl6pPr marR="0" algn="l" rtl="0">
         <a:lnSpc>
           <a:spcPct val="100000"/>
         </a:lnSpc>
@@ -5320,7 +5661,7 @@
           <a:spcPts val="0"/>
         </a:spcAft>
         <a:buNone/>
-        <a:defRPr b="0" baseline="0" i="0" sz="1400" u="none" cap="none" strike="noStrike">
+        <a:defRPr sz="1400" b="0" i="0" u="none" strike="noStrike" cap="none" baseline="0">
           <a:solidFill>
             <a:srgbClr val="000000"/>
           </a:solidFill>
@@ -5331,7 +5672,7 @@
           <a:rtl val="0"/>
         </a:defRPr>
       </a:lvl6pPr>
-      <a:lvl7pPr marR="0" rtl="0" algn="l">
+      <a:lvl7pPr marR="0" algn="l" rtl="0">
         <a:lnSpc>
           <a:spcPct val="100000"/>
         </a:lnSpc>
@@ -5342,7 +5683,7 @@
           <a:spcPts val="0"/>
         </a:spcAft>
         <a:buNone/>
-        <a:defRPr b="0" baseline="0" i="0" sz="1400" u="none" cap="none" strike="noStrike">
+        <a:defRPr sz="1400" b="0" i="0" u="none" strike="noStrike" cap="none" baseline="0">
           <a:solidFill>
             <a:srgbClr val="000000"/>
           </a:solidFill>
@@ -5353,7 +5694,7 @@
           <a:rtl val="0"/>
         </a:defRPr>
       </a:lvl7pPr>
-      <a:lvl8pPr marR="0" rtl="0" algn="l">
+      <a:lvl8pPr marR="0" algn="l" rtl="0">
         <a:lnSpc>
           <a:spcPct val="100000"/>
         </a:lnSpc>
@@ -5364,7 +5705,7 @@
           <a:spcPts val="0"/>
         </a:spcAft>
         <a:buNone/>
-        <a:defRPr b="0" baseline="0" i="0" sz="1400" u="none" cap="none" strike="noStrike">
+        <a:defRPr sz="1400" b="0" i="0" u="none" strike="noStrike" cap="none" baseline="0">
           <a:solidFill>
             <a:srgbClr val="000000"/>
           </a:solidFill>
@@ -5375,7 +5716,7 @@
           <a:rtl val="0"/>
         </a:defRPr>
       </a:lvl8pPr>
-      <a:lvl9pPr marR="0" rtl="0" algn="l">
+      <a:lvl9pPr marR="0" algn="l" rtl="0">
         <a:lnSpc>
           <a:spcPct val="100000"/>
         </a:lnSpc>
@@ -5386,7 +5727,7 @@
           <a:spcPts val="0"/>
         </a:spcAft>
         <a:buNone/>
-        <a:defRPr b="0" baseline="0" i="0" sz="1400" u="none" cap="none" strike="noStrike">
+        <a:defRPr sz="1400" b="0" i="0" u="none" strike="noStrike" cap="none" baseline="0">
           <a:solidFill>
             <a:srgbClr val="000000"/>
           </a:solidFill>
@@ -5403,11 +5744,11 @@
 </file>
 
 <file path=ppt/slides/slide1.xml><?xml version="1.0" encoding="utf-8"?>
-<p:sld xmlns:a="http://schemas.openxmlformats.org/drawingml/2006/main" xmlns:r="http://schemas.openxmlformats.org/officeDocument/2006/relationships" xmlns:mc="http://schemas.openxmlformats.org/markup-compatibility/2006" xmlns:mv="urn:schemas-microsoft-com:mac:vml" xmlns:p="http://schemas.openxmlformats.org/presentationml/2006/main" xmlns:c="http://schemas.openxmlformats.org/drawingml/2006/chart" xmlns:dgm="http://schemas.openxmlformats.org/drawingml/2006/diagram" xmlns:o="urn:schemas-microsoft-com:office:office" xmlns:v="urn:schemas-microsoft-com:vml" xmlns:pvml="urn:schemas-microsoft-com:office:powerpoint" xmlns:com="http://schemas.openxmlformats.org/drawingml/2006/compatibility" xmlns:p14="http://schemas.microsoft.com/office/powerpoint/2010/main">
+<p:sld xmlns:a="http://schemas.openxmlformats.org/drawingml/2006/main" xmlns:r="http://schemas.openxmlformats.org/officeDocument/2006/relationships" xmlns:p="http://schemas.openxmlformats.org/presentationml/2006/main">
   <p:cSld>
     <p:spTree>
       <p:nvGrpSpPr>
-        <p:cNvPr id="54" name="Shape 54"/>
+        <p:cNvPr id="1" name="Shape 54"/>
         <p:cNvGrpSpPr/>
         <p:nvPr/>
       </p:nvGrpSpPr>
@@ -5422,7 +5763,9 @@
       <p:sp>
         <p:nvSpPr>
           <p:cNvPr id="55" name="Shape 55"/>
-          <p:cNvSpPr txBox="1"/>
+          <p:cNvSpPr txBox="1">
+            <a:spLocks noGrp="1"/>
+          </p:cNvSpPr>
           <p:nvPr>
             <p:ph type="ctrTitle"/>
           </p:nvPr>
@@ -5437,7 +5780,7 @@
           </a:prstGeom>
         </p:spPr>
         <p:txBody>
-          <a:bodyPr anchorCtr="0" anchor="ctr" bIns="91425" lIns="91425" rIns="91425" tIns="91425">
+          <a:bodyPr lIns="91425" tIns="91425" rIns="91425" bIns="91425" anchor="ctr" anchorCtr="0">
             <a:noAutofit/>
           </a:bodyPr>
           <a:lstStyle/>
@@ -5458,9 +5801,11 @@
       <p:sp>
         <p:nvSpPr>
           <p:cNvPr id="56" name="Shape 56"/>
-          <p:cNvSpPr txBox="1"/>
+          <p:cNvSpPr txBox="1">
+            <a:spLocks noGrp="1"/>
+          </p:cNvSpPr>
           <p:nvPr>
-            <p:ph idx="1" type="subTitle"/>
+            <p:ph type="subTitle" idx="1"/>
           </p:nvPr>
         </p:nvSpPr>
         <p:spPr>
@@ -5473,12 +5818,12 @@
           </a:prstGeom>
         </p:spPr>
         <p:txBody>
-          <a:bodyPr anchorCtr="0" anchor="b" bIns="91425" lIns="91425" rIns="91425" tIns="91425">
+          <a:bodyPr lIns="91425" tIns="91425" rIns="91425" bIns="91425" anchor="b" anchorCtr="0">
             <a:noAutofit/>
           </a:bodyPr>
           <a:lstStyle/>
           <a:p>
-            <a:pPr lvl="0" rtl="0" algn="l">
+            <a:pPr lvl="0" algn="l" rtl="0">
               <a:spcBef>
                 <a:spcPts val="0"/>
               </a:spcBef>
@@ -5503,18 +5848,19 @@
 </file>
 
 <file path=ppt/slides/slide2.xml><?xml version="1.0" encoding="utf-8"?>
-<p:sld xmlns:a="http://schemas.openxmlformats.org/drawingml/2006/main" xmlns:r="http://schemas.openxmlformats.org/officeDocument/2006/relationships" xmlns:mc="http://schemas.openxmlformats.org/markup-compatibility/2006" xmlns:mv="urn:schemas-microsoft-com:mac:vml" xmlns:p="http://schemas.openxmlformats.org/presentationml/2006/main" xmlns:c="http://schemas.openxmlformats.org/drawingml/2006/chart" xmlns:dgm="http://schemas.openxmlformats.org/drawingml/2006/diagram" xmlns:o="urn:schemas-microsoft-com:office:office" xmlns:v="urn:schemas-microsoft-com:vml" xmlns:pvml="urn:schemas-microsoft-com:office:powerpoint" xmlns:com="http://schemas.openxmlformats.org/drawingml/2006/compatibility" xmlns:p14="http://schemas.microsoft.com/office/powerpoint/2010/main">
+<p:sld xmlns:a="http://schemas.openxmlformats.org/drawingml/2006/main" xmlns:r="http://schemas.openxmlformats.org/officeDocument/2006/relationships" xmlns:p="http://schemas.openxmlformats.org/presentationml/2006/main">
   <p:cSld>
     <p:bg>
       <p:bgPr>
         <a:solidFill>
           <a:schemeClr val="lt1"/>
         </a:solidFill>
+        <a:effectLst/>
       </p:bgPr>
     </p:bg>
     <p:spTree>
       <p:nvGrpSpPr>
-        <p:cNvPr id="60" name="Shape 60"/>
+        <p:cNvPr id="1" name="Shape 60"/>
         <p:cNvGrpSpPr/>
         <p:nvPr/>
       </p:nvGrpSpPr>
@@ -5529,7 +5875,9 @@
       <p:sp>
         <p:nvSpPr>
           <p:cNvPr id="61" name="Shape 61"/>
-          <p:cNvSpPr txBox="1"/>
+          <p:cNvSpPr txBox="1">
+            <a:spLocks noGrp="1"/>
+          </p:cNvSpPr>
           <p:nvPr>
             <p:ph type="title"/>
           </p:nvPr>
@@ -5544,7 +5892,7 @@
           </a:prstGeom>
         </p:spPr>
         <p:txBody>
-          <a:bodyPr anchorCtr="0" anchor="ctr" bIns="91425" lIns="91425" rIns="91425" tIns="91425">
+          <a:bodyPr lIns="91425" tIns="91425" rIns="91425" bIns="91425" anchor="ctr" anchorCtr="0">
             <a:noAutofit/>
           </a:bodyPr>
           <a:lstStyle/>
@@ -5571,9 +5919,6 @@
               </a:spcBef>
               <a:buNone/>
             </a:pPr>
-            <a:r>
-              <a:t/>
-            </a:r>
             <a:endParaRPr sz="2400">
               <a:solidFill>
                 <a:schemeClr val="dk1"/>
@@ -5587,9 +5932,6 @@
               </a:spcBef>
               <a:buNone/>
             </a:pPr>
-            <a:r>
-              <a:t/>
-            </a:r>
             <a:endParaRPr sz="2400">
               <a:solidFill>
                 <a:schemeClr val="dk1"/>
@@ -5601,9 +5943,11 @@
       <p:sp>
         <p:nvSpPr>
           <p:cNvPr id="62" name="Shape 62"/>
-          <p:cNvSpPr txBox="1"/>
+          <p:cNvSpPr txBox="1">
+            <a:spLocks noGrp="1"/>
+          </p:cNvSpPr>
           <p:nvPr>
-            <p:ph idx="2" type="title"/>
+            <p:ph type="title" idx="2"/>
           </p:nvPr>
         </p:nvSpPr>
         <p:spPr>
@@ -5616,7 +5960,7 @@
           </a:prstGeom>
         </p:spPr>
         <p:txBody>
-          <a:bodyPr anchorCtr="0" anchor="ctr" bIns="91425" lIns="91425" rIns="91425" tIns="91425">
+          <a:bodyPr lIns="91425" tIns="91425" rIns="91425" bIns="91425" anchor="ctr" anchorCtr="0">
             <a:noAutofit/>
           </a:bodyPr>
           <a:lstStyle/>
@@ -5628,7 +5972,7 @@
               <a:buNone/>
             </a:pPr>
             <a:r>
-              <a:rPr lang="en">
+              <a:rPr lang="en" sz="4000" b="1" dirty="0">
                 <a:solidFill>
                   <a:srgbClr val="E06666"/>
                 </a:solidFill>
@@ -5643,10 +5987,7 @@
               </a:spcBef>
               <a:buNone/>
             </a:pPr>
-            <a:r>
-              <a:t/>
-            </a:r>
-            <a:endParaRPr sz="2400">
+            <a:endParaRPr sz="2400" b="1" dirty="0">
               <a:solidFill>
                 <a:schemeClr val="dk1"/>
               </a:solidFill>
@@ -5659,10 +6000,7 @@
               </a:spcBef>
               <a:buNone/>
             </a:pPr>
-            <a:r>
-              <a:t/>
-            </a:r>
-            <a:endParaRPr sz="2400">
+            <a:endParaRPr sz="2400" b="1" dirty="0">
               <a:solidFill>
                 <a:schemeClr val="dk1"/>
               </a:solidFill>
@@ -5682,18 +6020,19 @@
 </file>
 
 <file path=ppt/slides/slide3.xml><?xml version="1.0" encoding="utf-8"?>
-<p:sld xmlns:a="http://schemas.openxmlformats.org/drawingml/2006/main" xmlns:r="http://schemas.openxmlformats.org/officeDocument/2006/relationships" xmlns:mc="http://schemas.openxmlformats.org/markup-compatibility/2006" xmlns:mv="urn:schemas-microsoft-com:mac:vml" xmlns:p="http://schemas.openxmlformats.org/presentationml/2006/main" xmlns:c="http://schemas.openxmlformats.org/drawingml/2006/chart" xmlns:dgm="http://schemas.openxmlformats.org/drawingml/2006/diagram" xmlns:o="urn:schemas-microsoft-com:office:office" xmlns:v="urn:schemas-microsoft-com:vml" xmlns:pvml="urn:schemas-microsoft-com:office:powerpoint" xmlns:com="http://schemas.openxmlformats.org/drawingml/2006/compatibility" xmlns:p14="http://schemas.microsoft.com/office/powerpoint/2010/main">
+<p:sld xmlns:a="http://schemas.openxmlformats.org/drawingml/2006/main" xmlns:r="http://schemas.openxmlformats.org/officeDocument/2006/relationships" xmlns:p="http://schemas.openxmlformats.org/presentationml/2006/main">
   <p:cSld>
     <p:bg>
       <p:bgPr>
         <a:solidFill>
           <a:schemeClr val="lt1"/>
         </a:solidFill>
+        <a:effectLst/>
       </p:bgPr>
     </p:bg>
     <p:spTree>
       <p:nvGrpSpPr>
-        <p:cNvPr id="66" name="Shape 66"/>
+        <p:cNvPr id="1" name="Shape 66"/>
         <p:cNvGrpSpPr/>
         <p:nvPr/>
       </p:nvGrpSpPr>
@@ -5708,7 +6047,9 @@
       <p:sp>
         <p:nvSpPr>
           <p:cNvPr id="67" name="Shape 67"/>
-          <p:cNvSpPr txBox="1"/>
+          <p:cNvSpPr txBox="1">
+            <a:spLocks noGrp="1"/>
+          </p:cNvSpPr>
           <p:nvPr>
             <p:ph type="title"/>
           </p:nvPr>
@@ -5723,7 +6064,7 @@
           </a:prstGeom>
         </p:spPr>
         <p:txBody>
-          <a:bodyPr anchorCtr="0" anchor="ctr" bIns="91425" lIns="91425" rIns="91425" tIns="91425">
+          <a:bodyPr lIns="91425" tIns="91425" rIns="91425" bIns="91425" anchor="ctr" anchorCtr="0">
             <a:noAutofit/>
           </a:bodyPr>
           <a:lstStyle/>
@@ -5735,7 +6076,7 @@
               <a:buNone/>
             </a:pPr>
             <a:r>
-              <a:rPr lang="en" sz="2400">
+              <a:rPr lang="en" sz="2400" dirty="0">
                 <a:solidFill>
                   <a:srgbClr val="000000"/>
                 </a:solidFill>
@@ -5750,10 +6091,7 @@
               </a:spcBef>
               <a:buNone/>
             </a:pPr>
-            <a:r>
-              <a:t/>
-            </a:r>
-            <a:endParaRPr sz="2400">
+            <a:endParaRPr sz="2400" dirty="0">
               <a:solidFill>
                 <a:schemeClr val="dk1"/>
               </a:solidFill>
@@ -5766,10 +6104,7 @@
               </a:spcBef>
               <a:buNone/>
             </a:pPr>
-            <a:r>
-              <a:t/>
-            </a:r>
-            <a:endParaRPr sz="2400">
+            <a:endParaRPr sz="2400" dirty="0">
               <a:solidFill>
                 <a:schemeClr val="dk1"/>
               </a:solidFill>
@@ -5780,9 +6115,11 @@
       <p:sp>
         <p:nvSpPr>
           <p:cNvPr id="68" name="Shape 68"/>
-          <p:cNvSpPr txBox="1"/>
+          <p:cNvSpPr txBox="1">
+            <a:spLocks noGrp="1"/>
+          </p:cNvSpPr>
           <p:nvPr>
-            <p:ph idx="2" type="title"/>
+            <p:ph type="title" idx="2"/>
           </p:nvPr>
         </p:nvSpPr>
         <p:spPr>
@@ -5795,7 +6132,7 @@
           </a:prstGeom>
         </p:spPr>
         <p:txBody>
-          <a:bodyPr anchorCtr="0" anchor="ctr" bIns="91425" lIns="91425" rIns="91425" tIns="91425">
+          <a:bodyPr lIns="91425" tIns="91425" rIns="91425" bIns="91425" anchor="ctr" anchorCtr="0">
             <a:noAutofit/>
           </a:bodyPr>
           <a:lstStyle/>
@@ -5807,7 +6144,7 @@
               <a:buNone/>
             </a:pPr>
             <a:r>
-              <a:rPr lang="en">
+              <a:rPr lang="en" sz="4000" b="1" dirty="0">
                 <a:solidFill>
                   <a:srgbClr val="E06666"/>
                 </a:solidFill>
@@ -5822,10 +6159,7 @@
               </a:spcBef>
               <a:buNone/>
             </a:pPr>
-            <a:r>
-              <a:t/>
-            </a:r>
-            <a:endParaRPr sz="2400">
+            <a:endParaRPr sz="2400" dirty="0">
               <a:solidFill>
                 <a:schemeClr val="dk1"/>
               </a:solidFill>
@@ -5838,10 +6172,7 @@
               </a:spcBef>
               <a:buNone/>
             </a:pPr>
-            <a:r>
-              <a:t/>
-            </a:r>
-            <a:endParaRPr sz="2400">
+            <a:endParaRPr sz="2400" dirty="0">
               <a:solidFill>
                 <a:schemeClr val="dk1"/>
               </a:solidFill>
@@ -5861,11 +6192,11 @@
 </file>
 
 <file path=ppt/slides/slide4.xml><?xml version="1.0" encoding="utf-8"?>
-<p:sld xmlns:a="http://schemas.openxmlformats.org/drawingml/2006/main" xmlns:r="http://schemas.openxmlformats.org/officeDocument/2006/relationships" xmlns:mc="http://schemas.openxmlformats.org/markup-compatibility/2006" xmlns:mv="urn:schemas-microsoft-com:mac:vml" xmlns:p="http://schemas.openxmlformats.org/presentationml/2006/main" xmlns:c="http://schemas.openxmlformats.org/drawingml/2006/chart" xmlns:dgm="http://schemas.openxmlformats.org/drawingml/2006/diagram" xmlns:o="urn:schemas-microsoft-com:office:office" xmlns:v="urn:schemas-microsoft-com:vml" xmlns:pvml="urn:schemas-microsoft-com:office:powerpoint" xmlns:com="http://schemas.openxmlformats.org/drawingml/2006/compatibility" xmlns:p14="http://schemas.microsoft.com/office/powerpoint/2010/main">
+<p:sld xmlns:a="http://schemas.openxmlformats.org/drawingml/2006/main" xmlns:r="http://schemas.openxmlformats.org/officeDocument/2006/relationships" xmlns:p="http://schemas.openxmlformats.org/presentationml/2006/main">
   <p:cSld>
     <p:spTree>
       <p:nvGrpSpPr>
-        <p:cNvPr id="72" name="Shape 72"/>
+        <p:cNvPr id="1" name="Shape 72"/>
         <p:cNvGrpSpPr/>
         <p:nvPr/>
       </p:nvGrpSpPr>
@@ -5880,14 +6211,16 @@
       <p:sp>
         <p:nvSpPr>
           <p:cNvPr id="73" name="Shape 73"/>
-          <p:cNvSpPr txBox="1"/>
+          <p:cNvSpPr txBox="1">
+            <a:spLocks noGrp="1"/>
+          </p:cNvSpPr>
           <p:nvPr>
             <p:ph type="title"/>
           </p:nvPr>
         </p:nvSpPr>
         <p:spPr>
           <a:xfrm>
-            <a:off x="3784150" y="1035475"/>
+            <a:off x="3433954" y="986836"/>
             <a:ext cx="5618700" cy="697800"/>
           </a:xfrm>
           <a:prstGeom prst="rect">
@@ -5895,7 +6228,7 @@
           </a:prstGeom>
         </p:spPr>
         <p:txBody>
-          <a:bodyPr anchorCtr="0" anchor="b" bIns="91425" lIns="91425" rIns="91425" tIns="91425">
+          <a:bodyPr lIns="91425" tIns="91425" rIns="91425" bIns="91425" anchor="b" anchorCtr="0">
             <a:noAutofit/>
           </a:bodyPr>
           <a:lstStyle/>
@@ -5907,7 +6240,7 @@
               <a:buNone/>
             </a:pPr>
             <a:r>
-              <a:rPr lang="en" sz="4800"/>
+              <a:rPr lang="en" sz="4800" dirty="0"/>
               <a:t>Scope</a:t>
             </a:r>
           </a:p>
@@ -5918,10 +6251,7 @@
               </a:spcBef>
               <a:buNone/>
             </a:pPr>
-            <a:r>
-              <a:t/>
-            </a:r>
-            <a:endParaRPr sz="2400">
+            <a:endParaRPr sz="2400" dirty="0">
               <a:solidFill>
                 <a:schemeClr val="dk1"/>
               </a:solidFill>
@@ -5934,10 +6264,7 @@
               </a:spcBef>
               <a:buNone/>
             </a:pPr>
-            <a:r>
-              <a:t/>
-            </a:r>
-            <a:endParaRPr sz="2400">
+            <a:endParaRPr sz="2400" dirty="0">
               <a:solidFill>
                 <a:schemeClr val="dk1"/>
               </a:solidFill>
@@ -5948,9 +6275,11 @@
       <p:sp>
         <p:nvSpPr>
           <p:cNvPr id="74" name="Shape 74"/>
-          <p:cNvSpPr txBox="1"/>
+          <p:cNvSpPr txBox="1">
+            <a:spLocks noGrp="1"/>
+          </p:cNvSpPr>
           <p:nvPr>
-            <p:ph idx="2" type="title"/>
+            <p:ph type="title" idx="2"/>
           </p:nvPr>
         </p:nvSpPr>
         <p:spPr>
@@ -5963,7 +6292,7 @@
           </a:prstGeom>
         </p:spPr>
         <p:txBody>
-          <a:bodyPr anchorCtr="0" anchor="t" bIns="91425" lIns="91425" rIns="91425" tIns="91425">
+          <a:bodyPr lIns="91425" tIns="91425" rIns="91425" bIns="91425" anchor="t" anchorCtr="0">
             <a:noAutofit/>
           </a:bodyPr>
           <a:lstStyle/>
@@ -5975,7 +6304,7 @@
               <a:buNone/>
             </a:pPr>
             <a:r>
-              <a:rPr b="0" lang="en">
+              <a:rPr lang="en" b="0">
                 <a:solidFill>
                   <a:srgbClr val="000000"/>
                 </a:solidFill>
@@ -5990,9 +6319,6 @@
               </a:spcBef>
               <a:buNone/>
             </a:pPr>
-            <a:r>
-              <a:t/>
-            </a:r>
             <a:endParaRPr sz="2400">
               <a:solidFill>
                 <a:schemeClr val="dk1"/>
@@ -6013,11 +6339,11 @@
 </file>
 
 <file path=ppt/slides/slide5.xml><?xml version="1.0" encoding="utf-8"?>
-<p:sld xmlns:a="http://schemas.openxmlformats.org/drawingml/2006/main" xmlns:r="http://schemas.openxmlformats.org/officeDocument/2006/relationships" xmlns:mc="http://schemas.openxmlformats.org/markup-compatibility/2006" xmlns:mv="urn:schemas-microsoft-com:mac:vml" xmlns:p="http://schemas.openxmlformats.org/presentationml/2006/main" xmlns:c="http://schemas.openxmlformats.org/drawingml/2006/chart" xmlns:dgm="http://schemas.openxmlformats.org/drawingml/2006/diagram" xmlns:o="urn:schemas-microsoft-com:office:office" xmlns:v="urn:schemas-microsoft-com:vml" xmlns:pvml="urn:schemas-microsoft-com:office:powerpoint" xmlns:com="http://schemas.openxmlformats.org/drawingml/2006/compatibility" xmlns:p14="http://schemas.microsoft.com/office/powerpoint/2010/main">
+<p:sld xmlns:a="http://schemas.openxmlformats.org/drawingml/2006/main" xmlns:r="http://schemas.openxmlformats.org/officeDocument/2006/relationships" xmlns:p="http://schemas.openxmlformats.org/presentationml/2006/main">
   <p:cSld>
     <p:spTree>
       <p:nvGrpSpPr>
-        <p:cNvPr id="78" name="Shape 78"/>
+        <p:cNvPr id="1" name="Shape 78"/>
         <p:cNvGrpSpPr/>
         <p:nvPr/>
       </p:nvGrpSpPr>
@@ -6032,7 +6358,9 @@
       <p:sp>
         <p:nvSpPr>
           <p:cNvPr id="79" name="Shape 79"/>
-          <p:cNvSpPr txBox="1"/>
+          <p:cNvSpPr txBox="1">
+            <a:spLocks noGrp="1"/>
+          </p:cNvSpPr>
           <p:nvPr>
             <p:ph type="title"/>
           </p:nvPr>
@@ -6047,7 +6375,7 @@
           </a:prstGeom>
         </p:spPr>
         <p:txBody>
-          <a:bodyPr anchorCtr="0" anchor="b" bIns="91425" lIns="91425" rIns="91425" tIns="91425">
+          <a:bodyPr lIns="91425" tIns="91425" rIns="91425" bIns="91425" anchor="b" anchorCtr="0">
             <a:noAutofit/>
           </a:bodyPr>
           <a:lstStyle/>
@@ -6070,9 +6398,6 @@
               </a:spcBef>
               <a:buNone/>
             </a:pPr>
-            <a:r>
-              <a:t/>
-            </a:r>
             <a:endParaRPr sz="2400">
               <a:solidFill>
                 <a:schemeClr val="dk1"/>
@@ -6086,9 +6411,6 @@
               </a:spcBef>
               <a:buNone/>
             </a:pPr>
-            <a:r>
-              <a:t/>
-            </a:r>
             <a:endParaRPr sz="2400">
               <a:solidFill>
                 <a:schemeClr val="dk1"/>
@@ -6137,11 +6459,11 @@
 </file>
 
 <file path=ppt/slides/slide6.xml><?xml version="1.0" encoding="utf-8"?>
-<p:sld xmlns:a="http://schemas.openxmlformats.org/drawingml/2006/main" xmlns:r="http://schemas.openxmlformats.org/officeDocument/2006/relationships" xmlns:mc="http://schemas.openxmlformats.org/markup-compatibility/2006" xmlns:mv="urn:schemas-microsoft-com:mac:vml" xmlns:p="http://schemas.openxmlformats.org/presentationml/2006/main" xmlns:c="http://schemas.openxmlformats.org/drawingml/2006/chart" xmlns:dgm="http://schemas.openxmlformats.org/drawingml/2006/diagram" xmlns:o="urn:schemas-microsoft-com:office:office" xmlns:v="urn:schemas-microsoft-com:vml" xmlns:pvml="urn:schemas-microsoft-com:office:powerpoint" xmlns:com="http://schemas.openxmlformats.org/drawingml/2006/compatibility" xmlns:p14="http://schemas.microsoft.com/office/powerpoint/2010/main">
+<p:sld xmlns:a="http://schemas.openxmlformats.org/drawingml/2006/main" xmlns:r="http://schemas.openxmlformats.org/officeDocument/2006/relationships" xmlns:p="http://schemas.openxmlformats.org/presentationml/2006/main">
   <p:cSld>
     <p:spTree>
       <p:nvGrpSpPr>
-        <p:cNvPr id="84" name="Shape 84"/>
+        <p:cNvPr id="1" name="Shape 84"/>
         <p:cNvGrpSpPr/>
         <p:nvPr/>
       </p:nvGrpSpPr>
@@ -6156,7 +6478,9 @@
       <p:sp>
         <p:nvSpPr>
           <p:cNvPr id="85" name="Shape 85"/>
-          <p:cNvSpPr txBox="1"/>
+          <p:cNvSpPr txBox="1">
+            <a:spLocks noGrp="1"/>
+          </p:cNvSpPr>
           <p:nvPr>
             <p:ph type="title"/>
           </p:nvPr>
@@ -6171,7 +6495,7 @@
           </a:prstGeom>
         </p:spPr>
         <p:txBody>
-          <a:bodyPr anchorCtr="0" anchor="b" bIns="91425" lIns="91425" rIns="91425" tIns="91425">
+          <a:bodyPr lIns="91425" tIns="91425" rIns="91425" bIns="91425" anchor="b" anchorCtr="0">
             <a:noAutofit/>
           </a:bodyPr>
           <a:lstStyle/>
@@ -6194,9 +6518,6 @@
               </a:spcBef>
               <a:buNone/>
             </a:pPr>
-            <a:r>
-              <a:t/>
-            </a:r>
             <a:endParaRPr sz="2400">
               <a:solidFill>
                 <a:schemeClr val="dk1"/>
@@ -6210,9 +6531,6 @@
               </a:spcBef>
               <a:buNone/>
             </a:pPr>
-            <a:r>
-              <a:t/>
-            </a:r>
             <a:endParaRPr sz="2400">
               <a:solidFill>
                 <a:schemeClr val="dk1"/>
@@ -6221,6 +6539,36 @@
           </a:p>
         </p:txBody>
       </p:sp>
+      <p:pic>
+        <p:nvPicPr>
+          <p:cNvPr id="2" name="Picture 1"/>
+          <p:cNvPicPr>
+            <a:picLocks noChangeAspect="1"/>
+          </p:cNvPicPr>
+          <p:nvPr/>
+        </p:nvPicPr>
+        <p:blipFill>
+          <a:blip r:embed="rId3">
+            <a:extLst>
+              <a:ext uri="{28A0092B-C50C-407E-A947-70E740481C1C}">
+                <a14:useLocalDpi xmlns:a14="http://schemas.microsoft.com/office/drawing/2010/main" val="0"/>
+              </a:ext>
+            </a:extLst>
+          </a:blip>
+          <a:stretch>
+            <a:fillRect/>
+          </a:stretch>
+        </p:blipFill>
+        <p:spPr>
+          <a:xfrm>
+            <a:off x="2101174" y="1001065"/>
+            <a:ext cx="5079726" cy="4142435"/>
+          </a:xfrm>
+          <a:prstGeom prst="rect">
+            <a:avLst/>
+          </a:prstGeom>
+        </p:spPr>
+      </p:pic>
     </p:spTree>
   </p:cSld>
   <p:clrMapOvr>
@@ -6233,11 +6581,11 @@
 </file>
 
 <file path=ppt/slides/slide7.xml><?xml version="1.0" encoding="utf-8"?>
-<p:sld xmlns:a="http://schemas.openxmlformats.org/drawingml/2006/main" xmlns:r="http://schemas.openxmlformats.org/officeDocument/2006/relationships" xmlns:mc="http://schemas.openxmlformats.org/markup-compatibility/2006" xmlns:mv="urn:schemas-microsoft-com:mac:vml" xmlns:p="http://schemas.openxmlformats.org/presentationml/2006/main" xmlns:c="http://schemas.openxmlformats.org/drawingml/2006/chart" xmlns:dgm="http://schemas.openxmlformats.org/drawingml/2006/diagram" xmlns:o="urn:schemas-microsoft-com:office:office" xmlns:v="urn:schemas-microsoft-com:vml" xmlns:pvml="urn:schemas-microsoft-com:office:powerpoint" xmlns:com="http://schemas.openxmlformats.org/drawingml/2006/compatibility" xmlns:p14="http://schemas.microsoft.com/office/powerpoint/2010/main">
+<p:sld xmlns:a="http://schemas.openxmlformats.org/drawingml/2006/main" xmlns:r="http://schemas.openxmlformats.org/officeDocument/2006/relationships" xmlns:p="http://schemas.openxmlformats.org/presentationml/2006/main">
   <p:cSld>
     <p:spTree>
       <p:nvGrpSpPr>
-        <p:cNvPr id="89" name="Shape 89"/>
+        <p:cNvPr id="1" name="Shape 89"/>
         <p:cNvGrpSpPr/>
         <p:nvPr/>
       </p:nvGrpSpPr>
@@ -6269,7 +6617,7 @@
           </a:ln>
         </p:spPr>
         <p:txBody>
-          <a:bodyPr anchorCtr="0" anchor="ctr" bIns="91425" lIns="91425" rIns="91425" tIns="91425">
+          <a:bodyPr lIns="91425" tIns="91425" rIns="91425" bIns="91425" anchor="ctr" anchorCtr="0">
             <a:noAutofit/>
           </a:bodyPr>
           <a:lstStyle/>
@@ -6281,7 +6629,7 @@
               <a:buNone/>
             </a:pPr>
             <a:r>
-              <a:rPr b="1" lang="en" sz="4800">
+              <a:rPr lang="en" sz="4800" b="1">
                 <a:solidFill>
                   <a:schemeClr val="dk1"/>
                 </a:solidFill>
@@ -6295,6 +6643,36 @@
           </a:p>
         </p:txBody>
       </p:sp>
+      <p:pic>
+        <p:nvPicPr>
+          <p:cNvPr id="2" name="Picture 1"/>
+          <p:cNvPicPr>
+            <a:picLocks noChangeAspect="1"/>
+          </p:cNvPicPr>
+          <p:nvPr/>
+        </p:nvPicPr>
+        <p:blipFill>
+          <a:blip r:embed="rId3">
+            <a:extLst>
+              <a:ext uri="{28A0092B-C50C-407E-A947-70E740481C1C}">
+                <a14:useLocalDpi xmlns:a14="http://schemas.microsoft.com/office/drawing/2010/main" val="0"/>
+              </a:ext>
+            </a:extLst>
+          </a:blip>
+          <a:stretch>
+            <a:fillRect/>
+          </a:stretch>
+        </p:blipFill>
+        <p:spPr>
+          <a:xfrm>
+            <a:off x="1744525" y="920138"/>
+            <a:ext cx="6367935" cy="4223362"/>
+          </a:xfrm>
+          <a:prstGeom prst="rect">
+            <a:avLst/>
+          </a:prstGeom>
+        </p:spPr>
+      </p:pic>
     </p:spTree>
   </p:cSld>
   <p:clrMapOvr>
@@ -6307,11 +6685,11 @@
 </file>
 
 <file path=ppt/slides/slide8.xml><?xml version="1.0" encoding="utf-8"?>
-<p:sld xmlns:a="http://schemas.openxmlformats.org/drawingml/2006/main" xmlns:r="http://schemas.openxmlformats.org/officeDocument/2006/relationships" xmlns:mc="http://schemas.openxmlformats.org/markup-compatibility/2006" xmlns:mv="urn:schemas-microsoft-com:mac:vml" xmlns:p="http://schemas.openxmlformats.org/presentationml/2006/main" xmlns:c="http://schemas.openxmlformats.org/drawingml/2006/chart" xmlns:dgm="http://schemas.openxmlformats.org/drawingml/2006/diagram" xmlns:o="urn:schemas-microsoft-com:office:office" xmlns:v="urn:schemas-microsoft-com:vml" xmlns:pvml="urn:schemas-microsoft-com:office:powerpoint" xmlns:com="http://schemas.openxmlformats.org/drawingml/2006/compatibility" xmlns:p14="http://schemas.microsoft.com/office/powerpoint/2010/main">
+<p:sld xmlns:a="http://schemas.openxmlformats.org/drawingml/2006/main" xmlns:r="http://schemas.openxmlformats.org/officeDocument/2006/relationships" xmlns:p="http://schemas.openxmlformats.org/presentationml/2006/main">
   <p:cSld>
     <p:spTree>
       <p:nvGrpSpPr>
-        <p:cNvPr id="94" name="Shape 94"/>
+        <p:cNvPr id="1" name="Shape 94"/>
         <p:cNvGrpSpPr/>
         <p:nvPr/>
       </p:nvGrpSpPr>
@@ -6343,19 +6721,19 @@
           </a:ln>
         </p:spPr>
         <p:txBody>
-          <a:bodyPr anchorCtr="0" anchor="ctr" bIns="91425" lIns="91425" rIns="91425" tIns="91425">
+          <a:bodyPr lIns="91425" tIns="91425" rIns="91425" bIns="91425" anchor="ctr" anchorCtr="0">
             <a:noAutofit/>
           </a:bodyPr>
           <a:lstStyle/>
           <a:p>
-            <a:pPr lvl="0" rtl="0" algn="ctr">
+            <a:pPr lvl="0" algn="ctr" rtl="0">
               <a:spcBef>
                 <a:spcPts val="0"/>
               </a:spcBef>
               <a:buNone/>
             </a:pPr>
             <a:r>
-              <a:rPr b="1" lang="en" sz="4800">
+              <a:rPr lang="en" sz="4800" b="1">
                 <a:solidFill>
                   <a:schemeClr val="dk1"/>
                 </a:solidFill>
@@ -6389,7 +6767,7 @@
           </a:ln>
         </p:spPr>
         <p:txBody>
-          <a:bodyPr anchorCtr="0" anchor="ctr" bIns="91425" lIns="91425" rIns="91425" tIns="91425">
+          <a:bodyPr lIns="91425" tIns="91425" rIns="91425" bIns="91425" anchor="ctr" anchorCtr="0">
             <a:noAutofit/>
           </a:bodyPr>
           <a:lstStyle/>
@@ -6400,10 +6778,7 @@
               </a:spcBef>
               <a:buNone/>
             </a:pPr>
-            <a:r>
-              <a:t/>
-            </a:r>
-            <a:endParaRPr b="1" sz="1800">
+            <a:endParaRPr sz="1800" b="1">
               <a:solidFill>
                 <a:schemeClr val="dk1"/>
               </a:solidFill>
@@ -6414,7 +6789,7 @@
             </a:endParaRPr>
           </a:p>
           <a:p>
-            <a:pPr indent="-342900" lvl="0" marL="457200" rtl="0">
+            <a:pPr marL="457200" lvl="0" indent="-342900" rtl="0">
               <a:spcBef>
                 <a:spcPts val="0"/>
               </a:spcBef>
@@ -6433,7 +6808,7 @@
             </a:r>
           </a:p>
           <a:p>
-            <a:pPr indent="-342900" lvl="0" marL="457200" rtl="0">
+            <a:pPr marL="457200" lvl="0" indent="-342900" rtl="0">
               <a:spcBef>
                 <a:spcPts val="0"/>
               </a:spcBef>
@@ -6452,7 +6827,7 @@
             </a:r>
           </a:p>
           <a:p>
-            <a:pPr indent="-342900" lvl="0" marL="457200" rtl="0">
+            <a:pPr marL="457200" lvl="0" indent="-342900" rtl="0">
               <a:spcBef>
                 <a:spcPts val="0"/>
               </a:spcBef>
@@ -6471,7 +6846,7 @@
             </a:r>
           </a:p>
           <a:p>
-            <a:pPr indent="-342900" lvl="0" marL="457200" rtl="0">
+            <a:pPr marL="457200" lvl="0" indent="-342900" rtl="0">
               <a:spcBef>
                 <a:spcPts val="0"/>
               </a:spcBef>
@@ -6503,11 +6878,11 @@
 </file>
 
 <file path=ppt/slides/slide9.xml><?xml version="1.0" encoding="utf-8"?>
-<p:sld xmlns:a="http://schemas.openxmlformats.org/drawingml/2006/main" xmlns:r="http://schemas.openxmlformats.org/officeDocument/2006/relationships" xmlns:mc="http://schemas.openxmlformats.org/markup-compatibility/2006" xmlns:mv="urn:schemas-microsoft-com:mac:vml" xmlns:p="http://schemas.openxmlformats.org/presentationml/2006/main" xmlns:c="http://schemas.openxmlformats.org/drawingml/2006/chart" xmlns:dgm="http://schemas.openxmlformats.org/drawingml/2006/diagram" xmlns:o="urn:schemas-microsoft-com:office:office" xmlns:v="urn:schemas-microsoft-com:vml" xmlns:pvml="urn:schemas-microsoft-com:office:powerpoint" xmlns:com="http://schemas.openxmlformats.org/drawingml/2006/compatibility" xmlns:p14="http://schemas.microsoft.com/office/powerpoint/2010/main">
+<p:sld xmlns:a="http://schemas.openxmlformats.org/drawingml/2006/main" xmlns:r="http://schemas.openxmlformats.org/officeDocument/2006/relationships" xmlns:p="http://schemas.openxmlformats.org/presentationml/2006/main">
   <p:cSld>
     <p:spTree>
       <p:nvGrpSpPr>
-        <p:cNvPr id="100" name="Shape 100"/>
+        <p:cNvPr id="1" name="Shape 100"/>
         <p:cNvGrpSpPr/>
         <p:nvPr/>
       </p:nvGrpSpPr>
@@ -6539,19 +6914,19 @@
           </a:ln>
         </p:spPr>
         <p:txBody>
-          <a:bodyPr anchorCtr="0" anchor="ctr" bIns="91425" lIns="91425" rIns="91425" tIns="91425">
+          <a:bodyPr lIns="91425" tIns="91425" rIns="91425" bIns="91425" anchor="ctr" anchorCtr="0">
             <a:noAutofit/>
           </a:bodyPr>
           <a:lstStyle/>
           <a:p>
-            <a:pPr lvl="0" rtl="0" algn="ctr">
+            <a:pPr lvl="0" algn="ctr" rtl="0">
               <a:spcBef>
                 <a:spcPts val="0"/>
               </a:spcBef>
               <a:buNone/>
             </a:pPr>
             <a:r>
-              <a:rPr b="1" lang="en" sz="4800">
+              <a:rPr lang="en" sz="4800" b="1">
                 <a:solidFill>
                   <a:schemeClr val="dk1"/>
                 </a:solidFill>
@@ -6585,12 +6960,12 @@
           </a:ln>
         </p:spPr>
         <p:txBody>
-          <a:bodyPr anchorCtr="0" anchor="ctr" bIns="91425" lIns="91425" rIns="91425" tIns="91425">
+          <a:bodyPr lIns="91425" tIns="91425" rIns="91425" bIns="91425" anchor="ctr" anchorCtr="0">
             <a:noAutofit/>
           </a:bodyPr>
           <a:lstStyle/>
           <a:p>
-            <a:pPr indent="-342900" lvl="0" marL="457200" rtl="0">
+            <a:pPr marL="457200" lvl="0" indent="-342900" rtl="0">
               <a:spcBef>
                 <a:spcPts val="0"/>
               </a:spcBef>
@@ -6609,7 +6984,7 @@
             </a:r>
           </a:p>
           <a:p>
-            <a:pPr indent="-342900" lvl="1" marL="914400" rtl="0">
+            <a:pPr marL="914400" lvl="1" indent="-342900" rtl="0">
               <a:spcBef>
                 <a:spcPts val="0"/>
               </a:spcBef>
@@ -6628,7 +7003,7 @@
             </a:r>
           </a:p>
           <a:p>
-            <a:pPr indent="-342900" lvl="1" marL="914400" rtl="0">
+            <a:pPr marL="914400" lvl="1" indent="-342900" rtl="0">
               <a:spcBef>
                 <a:spcPts val="0"/>
               </a:spcBef>
@@ -6647,7 +7022,7 @@
             </a:r>
           </a:p>
           <a:p>
-            <a:pPr indent="-342900" lvl="0" marL="457200" rtl="0">
+            <a:pPr marL="457200" lvl="0" indent="-342900" rtl="0">
               <a:spcBef>
                 <a:spcPts val="0"/>
               </a:spcBef>
@@ -6666,7 +7041,7 @@
             </a:r>
           </a:p>
           <a:p>
-            <a:pPr indent="-342900" lvl="1" marL="914400" rtl="0">
+            <a:pPr marL="914400" lvl="1" indent="-342900" rtl="0">
               <a:spcBef>
                 <a:spcPts val="0"/>
               </a:spcBef>
@@ -6685,7 +7060,7 @@
             </a:r>
           </a:p>
           <a:p>
-            <a:pPr indent="-342900" lvl="1" marL="914400" rtl="0">
+            <a:pPr marL="914400" lvl="1" indent="-342900" rtl="0">
               <a:spcBef>
                 <a:spcPts val="0"/>
               </a:spcBef>
@@ -6704,7 +7079,7 @@
             </a:r>
           </a:p>
           <a:p>
-            <a:pPr indent="-342900" lvl="1" marL="914400" rtl="0">
+            <a:pPr marL="914400" lvl="1" indent="-342900" rtl="0">
               <a:spcBef>
                 <a:spcPts val="0"/>
               </a:spcBef>
@@ -6723,7 +7098,7 @@
             </a:r>
           </a:p>
           <a:p>
-            <a:pPr indent="-342900" lvl="1" marL="914400" rtl="0">
+            <a:pPr marL="914400" lvl="1" indent="-342900" rtl="0">
               <a:spcBef>
                 <a:spcPts val="0"/>
               </a:spcBef>
@@ -6742,7 +7117,7 @@
             </a:r>
           </a:p>
           <a:p>
-            <a:pPr indent="-342900" lvl="1" marL="914400" rtl="0">
+            <a:pPr marL="914400" lvl="1" indent="-342900" rtl="0">
               <a:spcBef>
                 <a:spcPts val="0"/>
               </a:spcBef>
@@ -6761,7 +7136,7 @@
             </a:r>
           </a:p>
           <a:p>
-            <a:pPr indent="-342900" lvl="0" marL="457200" rtl="0">
+            <a:pPr marL="457200" lvl="0" indent="-342900" rtl="0">
               <a:spcBef>
                 <a:spcPts val="0"/>
               </a:spcBef>
@@ -6793,7 +7168,7 @@
 </file>
 
 <file path=ppt/theme/theme1.xml><?xml version="1.0" encoding="utf-8"?>
-<a:theme xmlns:a="http://schemas.openxmlformats.org/drawingml/2006/main" xmlns:r="http://schemas.openxmlformats.org/officeDocument/2006/relationships" name="coral">
+<a:theme xmlns:a="http://schemas.openxmlformats.org/drawingml/2006/main" name="coral">
   <a:themeElements>
     <a:clrScheme name="Coral">
       <a:dk1>
@@ -7068,11 +7443,13 @@
       </a:bgFillStyleLst>
     </a:fmtScheme>
   </a:themeElements>
+  <a:objectDefaults/>
+  <a:extraClrSchemeLst/>
 </a:theme>
 </file>
 
 <file path=ppt/theme/theme2.xml><?xml version="1.0" encoding="utf-8"?>
-<a:theme xmlns:a="http://schemas.openxmlformats.org/drawingml/2006/main" xmlns:r="http://schemas.openxmlformats.org/officeDocument/2006/relationships" name="Custom Theme">
+<a:theme xmlns:a="http://schemas.openxmlformats.org/drawingml/2006/main" name="Custom Theme">
   <a:themeElements>
     <a:clrScheme name="Default">
       <a:dk1>
@@ -7347,5 +7724,7 @@
       </a:bgFillStyleLst>
     </a:fmtScheme>
   </a:themeElements>
+  <a:objectDefaults/>
+  <a:extraClrSchemeLst/>
 </a:theme>
 </file>